--- a/DI.pptx
+++ b/DI.pptx
@@ -1996,7 +1996,7 @@
           <a:p>
             <a:fld id="{69EE0E52-9FA9-4B42-B8AF-6D441E01BAE7}" type="datetimeFigureOut">
               <a:rPr lang="nl-NL"/>
-              <a:t>18-12-2024</a:t>
+              <a:t>19-12-2024</a:t>
             </a:fld>
             <a:endParaRPr lang="nl-NL"/>
           </a:p>
@@ -2161,7 +2161,7 @@
           <a:p>
             <a:fld id="{3077C25E-6688-43F9-8010-6219F97B2F0D}" type="datetimeFigureOut">
               <a:rPr lang="nl-NL"/>
-              <a:t>18-12-2024</a:t>
+              <a:t>19-12-2024</a:t>
             </a:fld>
             <a:endParaRPr lang="nl-NL"/>
           </a:p>
@@ -22905,10 +22905,7 @@
               <a:rPr lang="nl-NL" dirty="0" err="1"/>
               <a:t>IServiceProvider</a:t>
             </a:r>
-            <a:r>
-              <a:rPr lang="nl-NL" dirty="0"/>
-              <a:t> </a:t>
-            </a:r>
+            <a:endParaRPr lang="nl-NL" dirty="0"/>
           </a:p>
           <a:p>
             <a:pPr lvl="1"/>
@@ -22958,6 +22955,32 @@
           </a:p>
           <a:p>
             <a:r>
+              <a:rPr lang="nl-NL" dirty="0" err="1"/>
+              <a:t>Expose</a:t>
+            </a:r>
+            <a:r>
+              <a:rPr lang="nl-NL" dirty="0"/>
+              <a:t> nooit </a:t>
+            </a:r>
+            <a:r>
+              <a:rPr lang="nl-NL" dirty="0" err="1"/>
+              <a:t>injected</a:t>
+            </a:r>
+            <a:r>
+              <a:rPr lang="nl-NL" dirty="0"/>
+              <a:t> </a:t>
+            </a:r>
+            <a:r>
+              <a:rPr lang="nl-NL" dirty="0" err="1"/>
+              <a:t>objects</a:t>
+            </a:r>
+            <a:r>
+              <a:rPr lang="nl-NL" dirty="0"/>
+              <a:t> (bv via property of functies)</a:t>
+            </a:r>
+          </a:p>
+          <a:p>
+            <a:r>
               <a:rPr lang="nl-NL" dirty="0"/>
               <a:t>Geen </a:t>
             </a:r>
@@ -22996,10 +23019,39 @@
             <a:endParaRPr lang="nl-NL" dirty="0"/>
           </a:p>
           <a:p>
+            <a:r>
+              <a:rPr lang="nl-NL" dirty="0"/>
+              <a:t>Voorkom externe </a:t>
+            </a:r>
+            <a:r>
+              <a:rPr lang="nl-NL" dirty="0" err="1"/>
+              <a:t>dependencies</a:t>
+            </a:r>
+            <a:r>
+              <a:rPr lang="nl-NL" dirty="0"/>
+              <a:t> in tests, prefereer “</a:t>
+            </a:r>
+            <a:r>
+              <a:rPr lang="nl-NL" dirty="0" err="1"/>
+              <a:t>embedded</a:t>
+            </a:r>
+            <a:r>
+              <a:rPr lang="nl-NL" dirty="0"/>
+              <a:t> resources”</a:t>
+            </a:r>
+          </a:p>
+          <a:p>
             <a:endParaRPr lang="nl-NL" dirty="0"/>
           </a:p>
           <a:p>
-            <a:endParaRPr lang="nl-NL" dirty="0"/>
+            <a:r>
+              <a:rPr lang="nl-NL" dirty="0" err="1"/>
+              <a:t>Refactor</a:t>
+            </a:r>
+            <a:r>
+              <a:rPr lang="nl-NL" dirty="0"/>
+              <a:t>!</a:t>
+            </a:r>
           </a:p>
         </p:txBody>
       </p:sp>
@@ -23124,6 +23176,28 @@
           </a:p>
           <a:p>
             <a:r>
+              <a:rPr lang="nl-NL" dirty="0"/>
+              <a:t>Gebruik Extension methodes op </a:t>
+            </a:r>
+            <a:r>
+              <a:rPr lang="nl-NL" dirty="0" err="1"/>
+              <a:t>IServiceFactory</a:t>
+            </a:r>
+            <a:r>
+              <a:rPr lang="nl-NL" dirty="0"/>
+              <a:t> i.p.v. </a:t>
+            </a:r>
+            <a:r>
+              <a:rPr lang="nl-NL" dirty="0" err="1"/>
+              <a:t>AddXxx</a:t>
+            </a:r>
+            <a:r>
+              <a:rPr lang="nl-NL" dirty="0"/>
+              <a:t>&lt;T&gt;</a:t>
+            </a:r>
+          </a:p>
+          <a:p>
+            <a:r>
               <a:rPr lang="nl-NL" dirty="0" err="1"/>
               <a:t>HttpClient</a:t>
             </a:r>
@@ -23161,31 +23235,6 @@
               <a:rPr lang="nl-NL" dirty="0"/>
               <a:t> achtige meters)</a:t>
             </a:r>
-          </a:p>
-          <a:p>
-            <a:r>
-              <a:rPr lang="nl-NL" dirty="0"/>
-              <a:t>Gebruik Extension methodes op </a:t>
-            </a:r>
-            <a:r>
-              <a:rPr lang="nl-NL" dirty="0" err="1"/>
-              <a:t>IServiceFactory</a:t>
-            </a:r>
-            <a:r>
-              <a:rPr lang="nl-NL" dirty="0"/>
-              <a:t> i.p.v. </a:t>
-            </a:r>
-            <a:r>
-              <a:rPr lang="nl-NL" dirty="0" err="1"/>
-              <a:t>AddSingletion</a:t>
-            </a:r>
-            <a:r>
-              <a:rPr lang="nl-NL" dirty="0"/>
-              <a:t>&lt;T&gt;</a:t>
-            </a:r>
-          </a:p>
-          <a:p>
-            <a:endParaRPr lang="nl-NL" dirty="0"/>
           </a:p>
           <a:p>
             <a:endParaRPr lang="nl-NL" dirty="0"/>

--- a/DI.pptx
+++ b/DI.pptx
@@ -23041,7 +23041,18 @@
             </a:r>
           </a:p>
           <a:p>
-            <a:endParaRPr lang="nl-NL" dirty="0"/>
+            <a:r>
+              <a:rPr lang="nl-NL" dirty="0"/>
+              <a:t>Gebruik </a:t>
+            </a:r>
+            <a:r>
+              <a:rPr lang="nl-NL" dirty="0" err="1"/>
+              <a:t>FakeItEasy</a:t>
+            </a:r>
+            <a:r>
+              <a:rPr lang="nl-NL" dirty="0"/>
+              <a:t> alleen waar nodig</a:t>
+            </a:r>
           </a:p>
           <a:p>
             <a:r>
@@ -24404,10 +24415,10 @@
       </p:sp>
       <p:pic>
         <p:nvPicPr>
-          <p:cNvPr id="14" name="Afbeelding 13">
+          <p:cNvPr id="3" name="Afbeelding 2">
             <a:extLst>
               <a:ext uri="{FF2B5EF4-FFF2-40B4-BE49-F238E27FC236}">
-                <a16:creationId xmlns:a16="http://schemas.microsoft.com/office/drawing/2014/main" id="{8F985459-885B-106D-669E-CAD37A731197}"/>
+                <a16:creationId xmlns:a16="http://schemas.microsoft.com/office/drawing/2014/main" id="{F71B85ED-74B6-2235-A211-4D1EEBFB3957}"/>
               </a:ext>
             </a:extLst>
           </p:cNvPr>
@@ -24424,8 +24435,8 @@
         </p:blipFill>
         <p:spPr>
           <a:xfrm>
-            <a:off x="865188" y="1825625"/>
-            <a:ext cx="9451780" cy="4159250"/>
+            <a:off x="864000" y="1825625"/>
+            <a:ext cx="9564435" cy="4191585"/>
           </a:xfrm>
           <a:prstGeom prst="rect">
             <a:avLst/>
@@ -24526,10 +24537,10 @@
       </p:sp>
       <p:pic>
         <p:nvPicPr>
-          <p:cNvPr id="5" name="Afbeelding 4">
+          <p:cNvPr id="3" name="Afbeelding 2">
             <a:extLst>
               <a:ext uri="{FF2B5EF4-FFF2-40B4-BE49-F238E27FC236}">
-                <a16:creationId xmlns:a16="http://schemas.microsoft.com/office/drawing/2014/main" id="{6A450D74-E4EC-742D-EE62-915CBC0B0AE0}"/>
+                <a16:creationId xmlns:a16="http://schemas.microsoft.com/office/drawing/2014/main" id="{CE35A71B-C881-6EFD-05D9-875AB6DF2108}"/>
               </a:ext>
             </a:extLst>
           </p:cNvPr>
@@ -24546,8 +24557,8 @@
         </p:blipFill>
         <p:spPr>
           <a:xfrm>
-            <a:off x="864000" y="1816100"/>
-            <a:ext cx="6564114" cy="4168374"/>
+            <a:off x="865188" y="1838223"/>
+            <a:ext cx="7047843" cy="4168374"/>
           </a:xfrm>
           <a:prstGeom prst="rect">
             <a:avLst/>

--- a/DI.pptx
+++ b/DI.pptx
@@ -5,10 +5,10 @@
     <p:sldMasterId id="2147483700" r:id="rId1"/>
   </p:sldMasterIdLst>
   <p:notesMasterIdLst>
-    <p:notesMasterId r:id="rId28"/>
+    <p:notesMasterId r:id="rId29"/>
   </p:notesMasterIdLst>
   <p:handoutMasterIdLst>
-    <p:handoutMasterId r:id="rId29"/>
+    <p:handoutMasterId r:id="rId30"/>
   </p:handoutMasterIdLst>
   <p:sldIdLst>
     <p:sldId id="371" r:id="rId2"/>
@@ -36,12 +36,13 @@
     <p:sldId id="427" r:id="rId24"/>
     <p:sldId id="422" r:id="rId25"/>
     <p:sldId id="428" r:id="rId26"/>
-    <p:sldId id="382" r:id="rId27"/>
+    <p:sldId id="429" r:id="rId27"/>
+    <p:sldId id="382" r:id="rId28"/>
   </p:sldIdLst>
   <p:sldSz cx="12192000" cy="6858000"/>
   <p:notesSz cx="6858000" cy="9144000"/>
   <p:custDataLst>
-    <p:tags r:id="rId30"/>
+    <p:tags r:id="rId31"/>
   </p:custDataLst>
   <p:defaultTextStyle>
     <a:defPPr>
@@ -168,6 +169,7 @@
             <p14:sldId id="427"/>
             <p14:sldId id="422"/>
             <p14:sldId id="428"/>
+            <p14:sldId id="429"/>
             <p14:sldId id="382"/>
           </p14:sldIdLst>
         </p14:section>
@@ -1996,7 +1998,7 @@
           <a:p>
             <a:fld id="{69EE0E52-9FA9-4B42-B8AF-6D441E01BAE7}" type="datetimeFigureOut">
               <a:rPr lang="nl-NL"/>
-              <a:t>19-12-2024</a:t>
+              <a:t>20-12-2024</a:t>
             </a:fld>
             <a:endParaRPr lang="nl-NL"/>
           </a:p>
@@ -2161,7 +2163,7 @@
           <a:p>
             <a:fld id="{3077C25E-6688-43F9-8010-6219F97B2F0D}" type="datetimeFigureOut">
               <a:rPr lang="nl-NL"/>
-              <a:t>19-12-2024</a:t>
+              <a:t>20-12-2024</a:t>
             </a:fld>
             <a:endParaRPr lang="nl-NL"/>
           </a:p>
@@ -23169,6 +23171,28 @@
           <a:lstStyle/>
           <a:p>
             <a:r>
+              <a:rPr lang="nl-NL" dirty="0"/>
+              <a:t>Gebruik Extension methodes op </a:t>
+            </a:r>
+            <a:r>
+              <a:rPr lang="nl-NL" dirty="0" err="1"/>
+              <a:t>IServiceFactory</a:t>
+            </a:r>
+            <a:r>
+              <a:rPr lang="nl-NL" dirty="0"/>
+              <a:t> i.p.v. </a:t>
+            </a:r>
+            <a:r>
+              <a:rPr lang="nl-NL" dirty="0" err="1"/>
+              <a:t>AddXxx</a:t>
+            </a:r>
+            <a:r>
+              <a:rPr lang="nl-NL" dirty="0"/>
+              <a:t>&lt;T&gt;</a:t>
+            </a:r>
+          </a:p>
+          <a:p>
+            <a:r>
               <a:rPr lang="nl-NL" dirty="0" err="1"/>
               <a:t>TimeProvider</a:t>
             </a:r>
@@ -23187,38 +23211,8 @@
           </a:p>
           <a:p>
             <a:r>
-              <a:rPr lang="nl-NL" dirty="0"/>
-              <a:t>Gebruik Extension methodes op </a:t>
-            </a:r>
-            <a:r>
-              <a:rPr lang="nl-NL" dirty="0" err="1"/>
-              <a:t>IServiceFactory</a:t>
-            </a:r>
-            <a:r>
-              <a:rPr lang="nl-NL" dirty="0"/>
-              <a:t> i.p.v. </a:t>
-            </a:r>
-            <a:r>
-              <a:rPr lang="nl-NL" dirty="0" err="1"/>
-              <a:t>AddXxx</a:t>
-            </a:r>
-            <a:r>
-              <a:rPr lang="nl-NL" dirty="0"/>
-              <a:t>&lt;T&gt;</a:t>
-            </a:r>
-          </a:p>
-          <a:p>
-            <a:r>
               <a:rPr lang="nl-NL" dirty="0" err="1"/>
               <a:t>HttpClient</a:t>
-            </a:r>
-            <a:r>
-              <a:rPr lang="nl-NL" dirty="0"/>
-              <a:t> / </a:t>
-            </a:r>
-            <a:r>
-              <a:rPr lang="nl-NL" dirty="0" err="1"/>
-              <a:t>HttpClientFactory</a:t>
             </a:r>
             <a:r>
               <a:rPr lang="nl-NL" dirty="0"/>
@@ -23294,6 +23288,95 @@
 </file>
 
 <file path=ppt/slides/slide26.xml><?xml version="1.0" encoding="utf-8"?>
+<p:sld xmlns:a="http://schemas.openxmlformats.org/drawingml/2006/main" xmlns:r="http://schemas.openxmlformats.org/officeDocument/2006/relationships" xmlns:p="http://schemas.openxmlformats.org/presentationml/2006/main">
+  <p:cSld>
+    <p:spTree>
+      <p:nvGrpSpPr>
+        <p:cNvPr id="1" name=""/>
+        <p:cNvGrpSpPr/>
+        <p:nvPr/>
+      </p:nvGrpSpPr>
+      <p:grpSpPr>
+        <a:xfrm>
+          <a:off x="0" y="0"/>
+          <a:ext cx="0" cy="0"/>
+          <a:chOff x="0" y="0"/>
+          <a:chExt cx="0" cy="0"/>
+        </a:xfrm>
+      </p:grpSpPr>
+      <p:pic>
+        <p:nvPicPr>
+          <p:cNvPr id="7" name="Tijdelijke aanduiding voor afbeelding 6" descr="Afbeelding met tekst, handschrift, verbruiksartikelen voor kantoor, stilstaand&#10;&#10;Automatisch gegenereerde beschrijving">
+            <a:extLst>
+              <a:ext uri="{FF2B5EF4-FFF2-40B4-BE49-F238E27FC236}">
+                <a16:creationId xmlns:a16="http://schemas.microsoft.com/office/drawing/2014/main" id="{43A50573-F708-B918-534E-1000CFC21F2E}"/>
+              </a:ext>
+            </a:extLst>
+          </p:cNvPr>
+          <p:cNvPicPr>
+            <a:picLocks noGrp="1" noChangeAspect="1"/>
+          </p:cNvPicPr>
+          <p:nvPr>
+            <p:ph type="pic" sz="quarter" idx="18"/>
+          </p:nvPr>
+        </p:nvPicPr>
+        <p:blipFill>
+          <a:blip r:embed="rId2">
+            <a:extLst>
+              <a:ext uri="{28A0092B-C50C-407E-A947-70E740481C1C}">
+                <a14:useLocalDpi xmlns:a14="http://schemas.microsoft.com/office/drawing/2010/main" val="0"/>
+              </a:ext>
+            </a:extLst>
+          </a:blip>
+          <a:srcRect t="25000" b="25000"/>
+          <a:stretch>
+            <a:fillRect/>
+          </a:stretch>
+        </p:blipFill>
+        <p:spPr/>
+      </p:pic>
+      <p:sp>
+        <p:nvSpPr>
+          <p:cNvPr id="5" name="Tijdelijke aanduiding voor tekst 4">
+            <a:extLst>
+              <a:ext uri="{FF2B5EF4-FFF2-40B4-BE49-F238E27FC236}">
+                <a16:creationId xmlns:a16="http://schemas.microsoft.com/office/drawing/2014/main" id="{4872EDC3-6E05-0C8F-02B9-3234DE375D6F}"/>
+              </a:ext>
+            </a:extLst>
+          </p:cNvPr>
+          <p:cNvSpPr>
+            <a:spLocks noGrp="1"/>
+          </p:cNvSpPr>
+          <p:nvPr>
+            <p:ph type="body" sz="quarter" idx="19"/>
+          </p:nvPr>
+        </p:nvSpPr>
+        <p:spPr/>
+        <p:txBody>
+          <a:bodyPr/>
+          <a:lstStyle/>
+          <a:p>
+            <a:r>
+              <a:rPr lang="nl-NL" dirty="0"/>
+              <a:t>https://github.com/desdesdes/CoreDiDemo</a:t>
+            </a:r>
+          </a:p>
+        </p:txBody>
+      </p:sp>
+    </p:spTree>
+    <p:extLst>
+      <p:ext uri="{BB962C8B-B14F-4D97-AF65-F5344CB8AC3E}">
+        <p14:creationId xmlns:p14="http://schemas.microsoft.com/office/powerpoint/2010/main" val="265560632"/>
+      </p:ext>
+    </p:extLst>
+  </p:cSld>
+  <p:clrMapOvr>
+    <a:masterClrMapping/>
+  </p:clrMapOvr>
+</p:sld>
+</file>
+
+<file path=ppt/slides/slide27.xml><?xml version="1.0" encoding="utf-8"?>
 <p:sld xmlns:a="http://schemas.openxmlformats.org/drawingml/2006/main" xmlns:r="http://schemas.openxmlformats.org/officeDocument/2006/relationships" xmlns:p="http://schemas.openxmlformats.org/presentationml/2006/main">
   <p:cSld>
     <p:spTree>

--- a/DI.pptx
+++ b/DI.pptx
@@ -11,30 +11,30 @@
     <p:handoutMasterId r:id="rId30"/>
   </p:handoutMasterIdLst>
   <p:sldIdLst>
-    <p:sldId id="371" r:id="rId2"/>
-    <p:sldId id="400" r:id="rId3"/>
-    <p:sldId id="401" r:id="rId4"/>
-    <p:sldId id="409" r:id="rId5"/>
-    <p:sldId id="403" r:id="rId6"/>
-    <p:sldId id="402" r:id="rId7"/>
-    <p:sldId id="404" r:id="rId8"/>
-    <p:sldId id="396" r:id="rId9"/>
-    <p:sldId id="399" r:id="rId10"/>
-    <p:sldId id="414" r:id="rId11"/>
-    <p:sldId id="415" r:id="rId12"/>
-    <p:sldId id="416" r:id="rId13"/>
-    <p:sldId id="418" r:id="rId14"/>
-    <p:sldId id="397" r:id="rId15"/>
-    <p:sldId id="419" r:id="rId16"/>
-    <p:sldId id="420" r:id="rId17"/>
-    <p:sldId id="413" r:id="rId18"/>
-    <p:sldId id="421" r:id="rId19"/>
-    <p:sldId id="423" r:id="rId20"/>
-    <p:sldId id="424" r:id="rId21"/>
-    <p:sldId id="425" r:id="rId22"/>
-    <p:sldId id="426" r:id="rId23"/>
-    <p:sldId id="427" r:id="rId24"/>
-    <p:sldId id="422" r:id="rId25"/>
+    <p:sldId id="400" r:id="rId2"/>
+    <p:sldId id="401" r:id="rId3"/>
+    <p:sldId id="409" r:id="rId4"/>
+    <p:sldId id="403" r:id="rId5"/>
+    <p:sldId id="402" r:id="rId6"/>
+    <p:sldId id="404" r:id="rId7"/>
+    <p:sldId id="396" r:id="rId8"/>
+    <p:sldId id="399" r:id="rId9"/>
+    <p:sldId id="414" r:id="rId10"/>
+    <p:sldId id="415" r:id="rId11"/>
+    <p:sldId id="416" r:id="rId12"/>
+    <p:sldId id="418" r:id="rId13"/>
+    <p:sldId id="397" r:id="rId14"/>
+    <p:sldId id="419" r:id="rId15"/>
+    <p:sldId id="420" r:id="rId16"/>
+    <p:sldId id="413" r:id="rId17"/>
+    <p:sldId id="421" r:id="rId18"/>
+    <p:sldId id="423" r:id="rId19"/>
+    <p:sldId id="424" r:id="rId20"/>
+    <p:sldId id="425" r:id="rId21"/>
+    <p:sldId id="426" r:id="rId22"/>
+    <p:sldId id="427" r:id="rId23"/>
+    <p:sldId id="422" r:id="rId24"/>
+    <p:sldId id="430" r:id="rId25"/>
     <p:sldId id="428" r:id="rId26"/>
     <p:sldId id="429" r:id="rId27"/>
     <p:sldId id="382" r:id="rId28"/>
@@ -144,7 +144,6 @@
       <p14:sectionLst xmlns:p14="http://schemas.microsoft.com/office/powerpoint/2010/main">
         <p14:section name="Voorbeeldsheets" id="{47BB4BA3-4E46-4BEB-8185-F767B0540F99}">
           <p14:sldIdLst>
-            <p14:sldId id="371"/>
             <p14:sldId id="400"/>
             <p14:sldId id="401"/>
             <p14:sldId id="409"/>
@@ -168,6 +167,7 @@
             <p14:sldId id="426"/>
             <p14:sldId id="427"/>
             <p14:sldId id="422"/>
+            <p14:sldId id="430"/>
             <p14:sldId id="428"/>
             <p14:sldId id="429"/>
             <p14:sldId id="382"/>
@@ -1998,7 +1998,7 @@
           <a:p>
             <a:fld id="{69EE0E52-9FA9-4B42-B8AF-6D441E01BAE7}" type="datetimeFigureOut">
               <a:rPr lang="nl-NL"/>
-              <a:t>20-12-2024</a:t>
+              <a:t>13-1-2025</a:t>
             </a:fld>
             <a:endParaRPr lang="nl-NL"/>
           </a:p>
@@ -2163,7 +2163,7 @@
           <a:p>
             <a:fld id="{3077C25E-6688-43F9-8010-6219F97B2F0D}" type="datetimeFigureOut">
               <a:rPr lang="nl-NL"/>
-              <a:t>20-12-2024</a:t>
+              <a:t>13-1-2025</a:t>
             </a:fld>
             <a:endParaRPr lang="nl-NL"/>
           </a:p>
@@ -2492,7 +2492,7 @@
             </a:r>
             <a:r>
               <a:rPr lang="nl-NL" dirty="0"/>
-              <a:t> zodat je niet meer string gebaseerd hoeft te werken</a:t>
+              <a:t>, eerste .net integratie zodat je niet meer string gebaseerd hoeft te werken, eerste .net integratie</a:t>
             </a:r>
           </a:p>
           <a:p>
@@ -2520,7 +2520,7 @@
           <a:p>
             <a:fld id="{36A6CEBA-87D9-4668-ADDB-ADABD8CF91EC}" type="slidenum">
               <a:rPr lang="nl-NL" smtClean="0"/>
-              <a:t>3</a:t>
+              <a:t>2</a:t>
             </a:fld>
             <a:endParaRPr lang="nl-NL"/>
           </a:p>
@@ -2628,7 +2628,7 @@
           <a:p>
             <a:fld id="{36A6CEBA-87D9-4668-ADDB-ADABD8CF91EC}" type="slidenum">
               <a:rPr lang="nl-NL" smtClean="0"/>
-              <a:t>15</a:t>
+              <a:t>14</a:t>
             </a:fld>
             <a:endParaRPr lang="nl-NL"/>
           </a:p>
@@ -2736,7 +2736,7 @@
           <a:p>
             <a:fld id="{36A6CEBA-87D9-4668-ADDB-ADABD8CF91EC}" type="slidenum">
               <a:rPr lang="nl-NL" smtClean="0"/>
-              <a:t>16</a:t>
+              <a:t>15</a:t>
             </a:fld>
             <a:endParaRPr lang="nl-NL"/>
           </a:p>
@@ -2820,7 +2820,7 @@
           <a:p>
             <a:fld id="{36A6CEBA-87D9-4668-ADDB-ADABD8CF91EC}" type="slidenum">
               <a:rPr lang="nl-NL" smtClean="0"/>
-              <a:t>18</a:t>
+              <a:t>17</a:t>
             </a:fld>
             <a:endParaRPr lang="nl-NL"/>
           </a:p>
@@ -2935,7 +2935,7 @@
           <a:p>
             <a:fld id="{36A6CEBA-87D9-4668-ADDB-ADABD8CF91EC}" type="slidenum">
               <a:rPr lang="nl-NL" smtClean="0"/>
-              <a:t>19</a:t>
+              <a:t>18</a:t>
             </a:fld>
             <a:endParaRPr lang="nl-NL"/>
           </a:p>
@@ -3043,7 +3043,7 @@
           <a:p>
             <a:fld id="{36A6CEBA-87D9-4668-ADDB-ADABD8CF91EC}" type="slidenum">
               <a:rPr lang="nl-NL" smtClean="0"/>
-              <a:t>20</a:t>
+              <a:t>19</a:t>
             </a:fld>
             <a:endParaRPr lang="nl-NL"/>
           </a:p>
@@ -3151,7 +3151,7 @@
           <a:p>
             <a:fld id="{36A6CEBA-87D9-4668-ADDB-ADABD8CF91EC}" type="slidenum">
               <a:rPr lang="nl-NL" smtClean="0"/>
-              <a:t>22</a:t>
+              <a:t>21</a:t>
             </a:fld>
             <a:endParaRPr lang="nl-NL"/>
           </a:p>
@@ -3259,7 +3259,7 @@
           <a:p>
             <a:fld id="{36A6CEBA-87D9-4668-ADDB-ADABD8CF91EC}" type="slidenum">
               <a:rPr lang="nl-NL" smtClean="0"/>
-              <a:t>23</a:t>
+              <a:t>22</a:t>
             </a:fld>
             <a:endParaRPr lang="nl-NL"/>
           </a:p>
@@ -3367,7 +3367,7 @@
           <a:p>
             <a:fld id="{36A6CEBA-87D9-4668-ADDB-ADABD8CF91EC}" type="slidenum">
               <a:rPr lang="nl-NL" smtClean="0"/>
-              <a:t>24</a:t>
+              <a:t>23</a:t>
             </a:fld>
             <a:endParaRPr lang="nl-NL"/>
           </a:p>
@@ -3387,6 +3387,114 @@
 </file>
 
 <file path=ppt/notesSlides/notesSlide18.xml><?xml version="1.0" encoding="utf-8"?>
+<p:notes xmlns:a="http://schemas.openxmlformats.org/drawingml/2006/main" xmlns:r="http://schemas.openxmlformats.org/officeDocument/2006/relationships" xmlns:p="http://schemas.openxmlformats.org/presentationml/2006/main">
+  <p:cSld>
+    <p:spTree>
+      <p:nvGrpSpPr>
+        <p:cNvPr id="1" name="">
+          <a:extLst>
+            <a:ext uri="{FF2B5EF4-FFF2-40B4-BE49-F238E27FC236}">
+              <a16:creationId xmlns:a16="http://schemas.microsoft.com/office/drawing/2014/main" id="{03ED8F0E-FAC4-7EC5-6695-810388643B7C}"/>
+            </a:ext>
+          </a:extLst>
+        </p:cNvPr>
+        <p:cNvGrpSpPr/>
+        <p:nvPr/>
+      </p:nvGrpSpPr>
+      <p:grpSpPr>
+        <a:xfrm>
+          <a:off x="0" y="0"/>
+          <a:ext cx="0" cy="0"/>
+          <a:chOff x="0" y="0"/>
+          <a:chExt cx="0" cy="0"/>
+        </a:xfrm>
+      </p:grpSpPr>
+      <p:sp>
+        <p:nvSpPr>
+          <p:cNvPr id="2" name="Tijdelijke aanduiding voor dia-afbeelding 1">
+            <a:extLst>
+              <a:ext uri="{FF2B5EF4-FFF2-40B4-BE49-F238E27FC236}">
+                <a16:creationId xmlns:a16="http://schemas.microsoft.com/office/drawing/2014/main" id="{8139633F-4E01-2776-CDD6-77618828CEC7}"/>
+              </a:ext>
+            </a:extLst>
+          </p:cNvPr>
+          <p:cNvSpPr>
+            <a:spLocks noGrp="1" noRot="1" noChangeAspect="1"/>
+          </p:cNvSpPr>
+          <p:nvPr>
+            <p:ph type="sldImg"/>
+          </p:nvPr>
+        </p:nvSpPr>
+        <p:spPr/>
+      </p:sp>
+      <p:sp>
+        <p:nvSpPr>
+          <p:cNvPr id="3" name="Tijdelijke aanduiding voor notities 2">
+            <a:extLst>
+              <a:ext uri="{FF2B5EF4-FFF2-40B4-BE49-F238E27FC236}">
+                <a16:creationId xmlns:a16="http://schemas.microsoft.com/office/drawing/2014/main" id="{2C837011-5BAE-3462-27F2-6550F0FC85DA}"/>
+              </a:ext>
+            </a:extLst>
+          </p:cNvPr>
+          <p:cNvSpPr>
+            <a:spLocks noGrp="1"/>
+          </p:cNvSpPr>
+          <p:nvPr>
+            <p:ph type="body" idx="1"/>
+          </p:nvPr>
+        </p:nvSpPr>
+        <p:spPr/>
+        <p:txBody>
+          <a:bodyPr/>
+          <a:lstStyle/>
+          <a:p>
+            <a:endParaRPr lang="nl-NL" dirty="0"/>
+          </a:p>
+        </p:txBody>
+      </p:sp>
+      <p:sp>
+        <p:nvSpPr>
+          <p:cNvPr id="4" name="Tijdelijke aanduiding voor dianummer 3">
+            <a:extLst>
+              <a:ext uri="{FF2B5EF4-FFF2-40B4-BE49-F238E27FC236}">
+                <a16:creationId xmlns:a16="http://schemas.microsoft.com/office/drawing/2014/main" id="{3AA870E8-862D-DD51-A082-D7A13F634FD2}"/>
+              </a:ext>
+            </a:extLst>
+          </p:cNvPr>
+          <p:cNvSpPr>
+            <a:spLocks noGrp="1"/>
+          </p:cNvSpPr>
+          <p:nvPr>
+            <p:ph type="sldNum" sz="quarter" idx="5"/>
+          </p:nvPr>
+        </p:nvSpPr>
+        <p:spPr/>
+        <p:txBody>
+          <a:bodyPr/>
+          <a:lstStyle/>
+          <a:p>
+            <a:fld id="{36A6CEBA-87D9-4668-ADDB-ADABD8CF91EC}" type="slidenum">
+              <a:rPr lang="nl-NL" smtClean="0"/>
+              <a:t>24</a:t>
+            </a:fld>
+            <a:endParaRPr lang="nl-NL"/>
+          </a:p>
+        </p:txBody>
+      </p:sp>
+    </p:spTree>
+    <p:extLst>
+      <p:ext uri="{BB962C8B-B14F-4D97-AF65-F5344CB8AC3E}">
+        <p14:creationId xmlns:p14="http://schemas.microsoft.com/office/powerpoint/2010/main" val="888765944"/>
+      </p:ext>
+    </p:extLst>
+  </p:cSld>
+  <p:clrMapOvr>
+    <a:masterClrMapping/>
+  </p:clrMapOvr>
+</p:notes>
+</file>
+
+<file path=ppt/notesSlides/notesSlide19.xml><?xml version="1.0" encoding="utf-8"?>
 <p:notes xmlns:a="http://schemas.openxmlformats.org/drawingml/2006/main" xmlns:r="http://schemas.openxmlformats.org/officeDocument/2006/relationships" xmlns:p="http://schemas.openxmlformats.org/presentationml/2006/main">
   <p:cSld>
     <p:spTree>
@@ -3559,7 +3667,7 @@
           <a:p>
             <a:fld id="{36A6CEBA-87D9-4668-ADDB-ADABD8CF91EC}" type="slidenum">
               <a:rPr lang="nl-NL" smtClean="0"/>
-              <a:t>4</a:t>
+              <a:t>3</a:t>
             </a:fld>
             <a:endParaRPr lang="nl-NL"/>
           </a:p>
@@ -3646,7 +3754,7 @@
           <a:p>
             <a:fld id="{36A6CEBA-87D9-4668-ADDB-ADABD8CF91EC}" type="slidenum">
               <a:rPr lang="nl-NL" smtClean="0"/>
-              <a:t>6</a:t>
+              <a:t>5</a:t>
             </a:fld>
             <a:endParaRPr lang="nl-NL"/>
           </a:p>
@@ -3762,7 +3870,7 @@
           <a:p>
             <a:fld id="{36A6CEBA-87D9-4668-ADDB-ADABD8CF91EC}" type="slidenum">
               <a:rPr lang="nl-NL" smtClean="0"/>
-              <a:t>7</a:t>
+              <a:t>6</a:t>
             </a:fld>
             <a:endParaRPr lang="nl-NL"/>
           </a:p>
@@ -3857,7 +3965,7 @@
           <a:p>
             <a:fld id="{36A6CEBA-87D9-4668-ADDB-ADABD8CF91EC}" type="slidenum">
               <a:rPr lang="nl-NL" smtClean="0"/>
-              <a:t>8</a:t>
+              <a:t>7</a:t>
             </a:fld>
             <a:endParaRPr lang="nl-NL"/>
           </a:p>
@@ -3968,7 +4076,7 @@
           <a:p>
             <a:fld id="{36A6CEBA-87D9-4668-ADDB-ADABD8CF91EC}" type="slidenum">
               <a:rPr lang="nl-NL" smtClean="0"/>
-              <a:t>9</a:t>
+              <a:t>8</a:t>
             </a:fld>
             <a:endParaRPr lang="nl-NL"/>
           </a:p>
@@ -4059,7 +4167,7 @@
           <a:p>
             <a:fld id="{36A6CEBA-87D9-4668-ADDB-ADABD8CF91EC}" type="slidenum">
               <a:rPr lang="nl-NL" smtClean="0"/>
-              <a:t>11</a:t>
+              <a:t>10</a:t>
             </a:fld>
             <a:endParaRPr lang="nl-NL"/>
           </a:p>
@@ -4124,7 +4232,7 @@
           <a:p>
             <a:r>
               <a:rPr lang="nl-NL" dirty="0"/>
-              <a:t>Essentieel is het om te documenteren of een service thread safe is (of moet zijn bij een abstract).</a:t>
+              <a:t>Essentieel is het om te documenteren of een service parallel safe is (of moet zijn bij een abstract).</a:t>
             </a:r>
           </a:p>
         </p:txBody>
@@ -4146,7 +4254,7 @@
           <a:p>
             <a:fld id="{36A6CEBA-87D9-4668-ADDB-ADABD8CF91EC}" type="slidenum">
               <a:rPr lang="nl-NL" smtClean="0"/>
-              <a:t>12</a:t>
+              <a:t>11</a:t>
             </a:fld>
             <a:endParaRPr lang="nl-NL"/>
           </a:p>
@@ -4254,7 +4362,7 @@
           <a:p>
             <a:fld id="{36A6CEBA-87D9-4668-ADDB-ADABD8CF91EC}" type="slidenum">
               <a:rPr lang="nl-NL" smtClean="0"/>
-              <a:t>13</a:t>
+              <a:t>12</a:t>
             </a:fld>
             <a:endParaRPr lang="nl-NL"/>
           </a:p>
@@ -16166,7 +16274,7 @@
 </file>
 
 <file path=ppt/slides/slide1.xml><?xml version="1.0" encoding="utf-8"?>
-<p:sld xmlns:a="http://schemas.openxmlformats.org/drawingml/2006/main" xmlns:r="http://schemas.openxmlformats.org/officeDocument/2006/relationships" xmlns:p="http://schemas.openxmlformats.org/presentationml/2006/main" show="0">
+<p:sld xmlns:a="http://schemas.openxmlformats.org/drawingml/2006/main" xmlns:r="http://schemas.openxmlformats.org/officeDocument/2006/relationships" xmlns:p="http://schemas.openxmlformats.org/presentationml/2006/main">
   <p:cSld>
     <p:spTree>
       <p:nvGrpSpPr>
@@ -16184,10 +16292,10 @@
       </p:grpSpPr>
       <p:sp>
         <p:nvSpPr>
-          <p:cNvPr id="8" name="Tijdelijke aanduiding voor verticale tekst 7">
+          <p:cNvPr id="2" name="Tijdelijke aanduiding voor tekst 1">
             <a:extLst>
               <a:ext uri="{FF2B5EF4-FFF2-40B4-BE49-F238E27FC236}">
-                <a16:creationId xmlns:a16="http://schemas.microsoft.com/office/drawing/2014/main" id="{886B307B-F6FE-FDBA-71CA-71A3FAC26D96}"/>
+                <a16:creationId xmlns:a16="http://schemas.microsoft.com/office/drawing/2014/main" id="{937937BA-E4C6-3ADE-F762-8DB900AF0A0E}"/>
               </a:ext>
             </a:extLst>
           </p:cNvPr>
@@ -16195,7 +16303,7 @@
             <a:spLocks noGrp="1"/>
           </p:cNvSpPr>
           <p:nvPr>
-            <p:ph type="body" orient="vert" idx="1"/>
+            <p:ph type="body" sz="quarter" idx="15"/>
           </p:nvPr>
         </p:nvSpPr>
         <p:spPr/>
@@ -16203,693 +16311,70 @@
           <a:bodyPr/>
           <a:lstStyle/>
           <a:p>
-            <a:pPr marL="0" indent="0">
-              <a:buNone/>
-            </a:pPr>
-            <a:r>
-              <a:rPr lang="nl-NL" dirty="0">
-                <a:latin typeface="Roboto Black" panose="02000000000000000000" pitchFamily="2" charset="0"/>
-              </a:rPr>
-              <a:t>Tips &amp; tricks</a:t>
-            </a:r>
-          </a:p>
-          <a:p>
-            <a:pPr marL="457200" indent="-457200">
-              <a:buFont typeface="+mj-lt"/>
-              <a:buAutoNum type="arabicPeriod"/>
-            </a:pPr>
-            <a:r>
-              <a:rPr lang="nl-NL" sz="1600" dirty="0">
-                <a:solidFill>
-                  <a:srgbClr val="FFFFFF"/>
-                </a:solidFill>
-              </a:rPr>
-              <a:t>Gebruik hoofdzakelijk AFAS Stockfoto’s (</a:t>
-            </a:r>
-            <a:r>
-              <a:rPr lang="nl-NL" sz="1600" dirty="0">
-                <a:solidFill>
-                  <a:srgbClr val="FFFFFF"/>
-                </a:solidFill>
-                <a:hlinkClick r:id="rId2"/>
-              </a:rPr>
-              <a:t>Media.AFAS.nl</a:t>
-            </a:r>
-            <a:r>
-              <a:rPr lang="nl-NL" sz="1600" dirty="0">
-                <a:solidFill>
-                  <a:srgbClr val="FFFFFF"/>
-                </a:solidFill>
-              </a:rPr>
-              <a:t>). </a:t>
-            </a:r>
-          </a:p>
-          <a:p>
-            <a:pPr marL="457200" indent="-457200">
-              <a:buFont typeface="+mj-lt"/>
-              <a:buAutoNum type="arabicPeriod"/>
-            </a:pPr>
-            <a:r>
-              <a:rPr lang="nl-NL" sz="1600" dirty="0">
-                <a:solidFill>
-                  <a:srgbClr val="FFFFFF"/>
-                </a:solidFill>
-              </a:rPr>
-              <a:t>Wissel </a:t>
-            </a:r>
-            <a:r>
-              <a:rPr lang="nl-NL" sz="1600" dirty="0">
-                <a:solidFill>
-                  <a:srgbClr val="FFFFFF"/>
-                </a:solidFill>
-                <a:latin typeface="+mj-lt"/>
-              </a:rPr>
-              <a:t>vette</a:t>
-            </a:r>
-            <a:r>
-              <a:rPr lang="nl-NL" sz="1600" dirty="0">
-                <a:solidFill>
-                  <a:srgbClr val="FFFFFF"/>
-                </a:solidFill>
-              </a:rPr>
-              <a:t> tekst af met de </a:t>
-            </a:r>
-            <a:r>
-              <a:rPr lang="nl-NL" sz="1600" dirty="0">
-                <a:solidFill>
-                  <a:srgbClr val="FFFFFF"/>
-                </a:solidFill>
-                <a:latin typeface="+mj-lt"/>
-              </a:rPr>
-              <a:t>dunne</a:t>
-            </a:r>
-            <a:r>
-              <a:rPr lang="nl-NL" sz="1600" dirty="0">
-                <a:solidFill>
-                  <a:srgbClr val="FFFFFF"/>
-                </a:solidFill>
-              </a:rPr>
-              <a:t> tekst, zoals in deze regel.</a:t>
-            </a:r>
-          </a:p>
-          <a:p>
-            <a:pPr marL="457200" indent="-457200">
-              <a:buFont typeface="+mj-lt"/>
-              <a:buAutoNum type="arabicPeriod"/>
-            </a:pPr>
-            <a:r>
-              <a:rPr lang="nl-NL" sz="1600" dirty="0">
-                <a:solidFill>
-                  <a:srgbClr val="FFFFFF"/>
-                </a:solidFill>
-              </a:rPr>
-              <a:t>Gebruik </a:t>
-            </a:r>
-            <a:r>
-              <a:rPr lang="nl-NL" sz="1600" dirty="0">
-                <a:solidFill>
-                  <a:srgbClr val="FFFFFF"/>
-                </a:solidFill>
-                <a:latin typeface="+mj-lt"/>
-              </a:rPr>
-              <a:t>inspringen</a:t>
-            </a:r>
-            <a:r>
-              <a:rPr lang="nl-NL" sz="1600" dirty="0">
-                <a:solidFill>
-                  <a:srgbClr val="FFFFFF"/>
-                </a:solidFill>
-              </a:rPr>
-              <a:t> (</a:t>
-            </a:r>
-            <a:r>
-              <a:rPr lang="nl-NL" sz="1600" dirty="0">
-                <a:solidFill>
-                  <a:srgbClr val="FFFFFF"/>
-                </a:solidFill>
-                <a:latin typeface="Roboto Black" panose="02000000000000000000" pitchFamily="2" charset="0"/>
-              </a:rPr>
-              <a:t>Alt + Shift + Pijl naar rechts</a:t>
-            </a:r>
-            <a:r>
-              <a:rPr lang="nl-NL" sz="1600" dirty="0">
-                <a:solidFill>
-                  <a:srgbClr val="FFFFFF"/>
-                </a:solidFill>
-              </a:rPr>
-              <a:t>) voor het maken van een ondertitel in dia’s met een blauw blokje over de foto.</a:t>
-            </a:r>
-            <a:br>
-              <a:rPr lang="nl-NL" sz="1600" dirty="0">
-                <a:solidFill>
-                  <a:srgbClr val="FFFFFF"/>
-                </a:solidFill>
-              </a:rPr>
-            </a:br>
-            <a:br>
-              <a:rPr lang="nl-NL" sz="1600" dirty="0">
-                <a:solidFill>
-                  <a:srgbClr val="FFFFFF"/>
-                </a:solidFill>
-              </a:rPr>
-            </a:br>
-            <a:br>
-              <a:rPr lang="nl-NL" sz="1600" dirty="0">
-                <a:solidFill>
-                  <a:srgbClr val="FFFFFF"/>
-                </a:solidFill>
-              </a:rPr>
-            </a:br>
-            <a:br>
-              <a:rPr lang="nl-NL" sz="1600" dirty="0">
-                <a:solidFill>
-                  <a:srgbClr val="FFFFFF"/>
-                </a:solidFill>
-              </a:rPr>
-            </a:br>
-            <a:br>
-              <a:rPr lang="nl-NL" sz="1600" dirty="0">
-                <a:solidFill>
-                  <a:srgbClr val="FFFFFF"/>
-                </a:solidFill>
-              </a:rPr>
-            </a:br>
-            <a:br>
-              <a:rPr lang="nl-NL" sz="1600" dirty="0">
-                <a:solidFill>
-                  <a:srgbClr val="FFFFFF"/>
-                </a:solidFill>
-              </a:rPr>
-            </a:br>
-            <a:endParaRPr lang="nl-NL" sz="1600" dirty="0">
-              <a:solidFill>
-                <a:srgbClr val="FFFFFF"/>
-              </a:solidFill>
-            </a:endParaRPr>
-          </a:p>
-          <a:p>
-            <a:pPr marL="457200" indent="-457200">
-              <a:buFont typeface="+mj-lt"/>
-              <a:buAutoNum type="arabicPeriod"/>
-            </a:pPr>
-            <a:r>
-              <a:rPr lang="nl-NL" sz="1600" dirty="0">
-                <a:solidFill>
-                  <a:srgbClr val="FFFFFF"/>
-                </a:solidFill>
-              </a:rPr>
-              <a:t>Kies een indeling uit het </a:t>
-            </a:r>
-            <a:r>
-              <a:rPr lang="nl-NL" sz="1600" dirty="0" err="1">
-                <a:solidFill>
-                  <a:srgbClr val="FFFFFF"/>
-                </a:solidFill>
-              </a:rPr>
-              <a:t>diamodel</a:t>
-            </a:r>
-            <a:r>
-              <a:rPr lang="nl-NL" sz="1600" dirty="0">
-                <a:solidFill>
-                  <a:srgbClr val="FFFFFF"/>
-                </a:solidFill>
-              </a:rPr>
-              <a:t> die past bij het doel van je sheet.</a:t>
-            </a:r>
-          </a:p>
-          <a:p>
-            <a:pPr marL="457200" indent="-457200">
-              <a:buFont typeface="+mj-lt"/>
-              <a:buAutoNum type="arabicPeriod"/>
-            </a:pPr>
-            <a:r>
-              <a:rPr lang="nl-NL" sz="1600" dirty="0">
-                <a:solidFill>
-                  <a:srgbClr val="FFFFFF"/>
-                </a:solidFill>
-              </a:rPr>
-              <a:t>Geef je een </a:t>
-            </a:r>
-            <a:r>
-              <a:rPr lang="nl-NL" sz="1600" b="1" dirty="0" err="1">
-                <a:solidFill>
-                  <a:srgbClr val="FFFFFF"/>
-                </a:solidFill>
-                <a:latin typeface="+mj-lt"/>
-              </a:rPr>
-              <a:t>webinar</a:t>
-            </a:r>
-            <a:r>
-              <a:rPr lang="nl-NL" sz="1600" dirty="0">
-                <a:solidFill>
-                  <a:srgbClr val="FFFFFF"/>
-                </a:solidFill>
-              </a:rPr>
-              <a:t>? Houd er met je opmaak rekening mee dat rechtsonder een klein camerabeeld te zien is.</a:t>
-            </a:r>
-          </a:p>
-          <a:p>
-            <a:pPr marL="457200" indent="-457200">
-              <a:buFont typeface="+mj-lt"/>
-              <a:buAutoNum type="arabicPeriod"/>
-            </a:pPr>
-            <a:r>
-              <a:rPr lang="nl-NL" sz="1600" dirty="0">
-                <a:solidFill>
-                  <a:srgbClr val="FFFFFF"/>
-                </a:solidFill>
-              </a:rPr>
-              <a:t>Heb je problemen bij het plakken van een afbeelding? Kies </a:t>
-            </a:r>
-            <a:r>
-              <a:rPr lang="nl-NL" sz="1600" dirty="0">
-                <a:solidFill>
-                  <a:srgbClr val="FFFFFF"/>
-                </a:solidFill>
-                <a:latin typeface="+mj-lt"/>
-              </a:rPr>
-              <a:t>Dia herstellen</a:t>
-            </a:r>
-            <a:r>
-              <a:rPr lang="nl-NL" sz="1600" dirty="0">
-                <a:solidFill>
-                  <a:srgbClr val="FFFFFF"/>
-                </a:solidFill>
-              </a:rPr>
-              <a:t> of </a:t>
-            </a:r>
-            <a:r>
-              <a:rPr lang="nl-NL" sz="1600" dirty="0">
-                <a:solidFill>
-                  <a:srgbClr val="FFFFFF"/>
-                </a:solidFill>
-                <a:latin typeface="+mj-lt"/>
-              </a:rPr>
-              <a:t>Opnieuw instellen</a:t>
-            </a:r>
-          </a:p>
-          <a:p>
-            <a:pPr marL="457200" indent="-457200">
-              <a:buFont typeface="+mj-lt"/>
-              <a:buAutoNum type="arabicPeriod"/>
-            </a:pPr>
-            <a:r>
-              <a:rPr lang="nl-NL" sz="1600" dirty="0">
-                <a:solidFill>
-                  <a:srgbClr val="FFFFFF"/>
-                </a:solidFill>
-              </a:rPr>
-              <a:t>Je maakt uiteraard </a:t>
-            </a:r>
-            <a:r>
-              <a:rPr lang="nl-NL" sz="1600" dirty="0">
-                <a:solidFill>
-                  <a:srgbClr val="FFFFFF"/>
-                </a:solidFill>
-                <a:latin typeface="+mj-lt"/>
-              </a:rPr>
-              <a:t>geen</a:t>
-            </a:r>
-            <a:r>
-              <a:rPr lang="nl-NL" sz="1600" dirty="0">
-                <a:solidFill>
-                  <a:srgbClr val="FFFFFF"/>
-                </a:solidFill>
-              </a:rPr>
-              <a:t> sheets met zoveel tekst als op deze Slide.. Sheet.. Plaat.. Shit… </a:t>
-            </a:r>
-            <a:r>
-              <a:rPr lang="nl-NL" sz="1600" dirty="0" err="1">
-                <a:solidFill>
-                  <a:srgbClr val="FFFFFF"/>
-                </a:solidFill>
-              </a:rPr>
-              <a:t>whooott</a:t>
-            </a:r>
-            <a:r>
-              <a:rPr lang="nl-NL" sz="1600" dirty="0">
-                <a:solidFill>
-                  <a:srgbClr val="FFFFFF"/>
-                </a:solidFill>
-              </a:rPr>
-              <a:t>?</a:t>
+            <a:r>
+              <a:rPr lang="nl-NL" dirty="0" err="1"/>
+              <a:t>Dependency</a:t>
+            </a:r>
+            <a:r>
+              <a:rPr lang="nl-NL" dirty="0"/>
+              <a:t> </a:t>
+            </a:r>
+            <a:r>
+              <a:rPr lang="nl-NL" dirty="0" err="1"/>
+              <a:t>injection</a:t>
+            </a:r>
+            <a:r>
+              <a:rPr lang="nl-NL" dirty="0"/>
+              <a:t> in .NET </a:t>
+            </a:r>
+            <a:r>
+              <a:rPr lang="nl-NL" dirty="0" err="1"/>
+              <a:t>Core</a:t>
+            </a:r>
+            <a:endParaRPr lang="nl-NL" dirty="0"/>
+          </a:p>
+          <a:p>
+            <a:r>
+              <a:rPr lang="nl-NL" dirty="0"/>
+              <a:t>(en unit </a:t>
+            </a:r>
+            <a:r>
+              <a:rPr lang="nl-NL" dirty="0" err="1"/>
+              <a:t>testing</a:t>
+            </a:r>
+            <a:r>
+              <a:rPr lang="nl-NL" dirty="0"/>
+              <a:t>)</a:t>
             </a:r>
           </a:p>
         </p:txBody>
       </p:sp>
-      <p:sp>
-        <p:nvSpPr>
-          <p:cNvPr id="7" name="Titel 6">
-            <a:extLst>
-              <a:ext uri="{FF2B5EF4-FFF2-40B4-BE49-F238E27FC236}">
-                <a16:creationId xmlns:a16="http://schemas.microsoft.com/office/drawing/2014/main" id="{7704D6BB-1955-D0D2-6C23-8A047167F369}"/>
-              </a:ext>
-            </a:extLst>
-          </p:cNvPr>
-          <p:cNvSpPr>
-            <a:spLocks noGrp="1"/>
-          </p:cNvSpPr>
-          <p:nvPr>
-            <p:ph type="title"/>
-          </p:nvPr>
-        </p:nvSpPr>
-        <p:spPr/>
-        <p:txBody>
-          <a:bodyPr/>
-          <a:lstStyle/>
-          <a:p>
-            <a:r>
-              <a:rPr lang="nl-NL" dirty="0"/>
-              <a:t>Bouw jouw </a:t>
-            </a:r>
-            <a:r>
-              <a:rPr lang="nl-NL" dirty="0" err="1"/>
-              <a:t>Powerpoint</a:t>
-            </a:r>
-            <a:r>
-              <a:rPr lang="nl-NL" dirty="0"/>
-              <a:t> met de template</a:t>
-            </a:r>
-          </a:p>
-        </p:txBody>
-      </p:sp>
-      <p:pic>
-        <p:nvPicPr>
-          <p:cNvPr id="10" name="Afbeelding 9" descr="Afbeelding met tekst, schermopname, Lettertype, lijn&#10;&#10;Automatisch gegenereerde beschrijving">
-            <a:extLst>
-              <a:ext uri="{FF2B5EF4-FFF2-40B4-BE49-F238E27FC236}">
-                <a16:creationId xmlns:a16="http://schemas.microsoft.com/office/drawing/2014/main" id="{E6B7B8A8-50D0-17F0-2592-E2ACF65305CC}"/>
-              </a:ext>
-            </a:extLst>
-          </p:cNvPr>
-          <p:cNvPicPr>
-            <a:picLocks noChangeAspect="1"/>
-          </p:cNvPicPr>
-          <p:nvPr/>
-        </p:nvPicPr>
-        <p:blipFill>
-          <a:blip r:embed="rId3">
-            <a:extLst>
-              <a:ext uri="{28A0092B-C50C-407E-A947-70E740481C1C}">
-                <a14:useLocalDpi xmlns:a14="http://schemas.microsoft.com/office/drawing/2010/main" val="0"/>
-              </a:ext>
-            </a:extLst>
-          </a:blip>
-          <a:stretch>
-            <a:fillRect/>
-          </a:stretch>
-        </p:blipFill>
-        <p:spPr>
-          <a:xfrm>
-            <a:off x="777635" y="3507985"/>
-            <a:ext cx="7410450" cy="1343025"/>
-          </a:xfrm>
-          <a:prstGeom prst="rect">
-            <a:avLst/>
-          </a:prstGeom>
-        </p:spPr>
-      </p:pic>
-      <p:pic>
-        <p:nvPicPr>
-          <p:cNvPr id="12" name="Afbeelding 11">
-            <a:extLst>
-              <a:ext uri="{FF2B5EF4-FFF2-40B4-BE49-F238E27FC236}">
-                <a16:creationId xmlns:a16="http://schemas.microsoft.com/office/drawing/2014/main" id="{FF1BAF5D-8EAC-4E71-990C-58E2C59D1AE2}"/>
-              </a:ext>
-            </a:extLst>
-          </p:cNvPr>
-          <p:cNvPicPr>
-            <a:picLocks noChangeAspect="1"/>
-          </p:cNvPicPr>
-          <p:nvPr/>
-        </p:nvPicPr>
-        <p:blipFill>
-          <a:blip r:embed="rId4">
-            <a:extLst>
-              <a:ext uri="{28A0092B-C50C-407E-A947-70E740481C1C}">
-                <a14:useLocalDpi xmlns:a14="http://schemas.microsoft.com/office/drawing/2010/main" val="0"/>
-              </a:ext>
-            </a:extLst>
-          </a:blip>
-          <a:srcRect/>
-          <a:stretch/>
-        </p:blipFill>
-        <p:spPr>
-          <a:xfrm>
-            <a:off x="8274450" y="3594521"/>
-            <a:ext cx="2413677" cy="1129206"/>
-          </a:xfrm>
-          <a:prstGeom prst="rect">
-            <a:avLst/>
-          </a:prstGeom>
-        </p:spPr>
-      </p:pic>
-      <p:pic>
-        <p:nvPicPr>
-          <p:cNvPr id="3" name="Afbeelding 2" descr="Afbeelding met tekst, kleding, schoeisel, schermopname&#10;&#10;Automatisch gegenereerde beschrijving">
-            <a:extLst>
-              <a:ext uri="{FF2B5EF4-FFF2-40B4-BE49-F238E27FC236}">
-                <a16:creationId xmlns:a16="http://schemas.microsoft.com/office/drawing/2014/main" id="{C4694EB4-07BF-E6E5-9FEE-BF5034D71194}"/>
-              </a:ext>
-            </a:extLst>
-          </p:cNvPr>
-          <p:cNvPicPr>
-            <a:picLocks noChangeAspect="1"/>
-          </p:cNvPicPr>
-          <p:nvPr/>
-        </p:nvPicPr>
-        <p:blipFill>
-          <a:blip r:embed="rId5">
-            <a:extLst>
-              <a:ext uri="{28A0092B-C50C-407E-A947-70E740481C1C}">
-                <a14:useLocalDpi xmlns:a14="http://schemas.microsoft.com/office/drawing/2010/main" val="0"/>
-              </a:ext>
-            </a:extLst>
-          </a:blip>
-          <a:stretch>
-            <a:fillRect/>
-          </a:stretch>
-        </p:blipFill>
-        <p:spPr>
-          <a:xfrm>
-            <a:off x="11318874" y="3594521"/>
-            <a:ext cx="3192443" cy="3263479"/>
-          </a:xfrm>
-          <a:prstGeom prst="rect">
-            <a:avLst/>
-          </a:prstGeom>
-        </p:spPr>
-      </p:pic>
     </p:spTree>
     <p:extLst>
       <p:ext uri="{BB962C8B-B14F-4D97-AF65-F5344CB8AC3E}">
-        <p14:creationId xmlns:p14="http://schemas.microsoft.com/office/powerpoint/2010/main" val="2558788076"/>
+        <p14:creationId xmlns:p14="http://schemas.microsoft.com/office/powerpoint/2010/main" val="1919522209"/>
       </p:ext>
     </p:extLst>
   </p:cSld>
   <p:clrMapOvr>
     <a:masterClrMapping/>
   </p:clrMapOvr>
+  <mc:AlternateContent xmlns:mc="http://schemas.openxmlformats.org/markup-compatibility/2006">
+    <mc:Choice xmlns:p14="http://schemas.microsoft.com/office/powerpoint/2010/main" Requires="p14">
+      <p:transition spd="med" p14:dur="700">
+        <p:fade/>
+      </p:transition>
+    </mc:Choice>
+    <mc:Fallback>
+      <p:transition spd="med">
+        <p:fade/>
+      </p:transition>
+    </mc:Fallback>
+  </mc:AlternateContent>
 </p:sld>
 </file>
 
 <file path=ppt/slides/slide10.xml><?xml version="1.0" encoding="utf-8"?>
-<p:sld xmlns:a="http://schemas.openxmlformats.org/drawingml/2006/main" xmlns:r="http://schemas.openxmlformats.org/officeDocument/2006/relationships" xmlns:p="http://schemas.openxmlformats.org/presentationml/2006/main">
-  <p:cSld>
-    <p:spTree>
-      <p:nvGrpSpPr>
-        <p:cNvPr id="1" name="">
-          <a:extLst>
-            <a:ext uri="{FF2B5EF4-FFF2-40B4-BE49-F238E27FC236}">
-              <a16:creationId xmlns:a16="http://schemas.microsoft.com/office/drawing/2014/main" id="{9146B6F6-A644-7047-8F8A-38971853DB92}"/>
-            </a:ext>
-          </a:extLst>
-        </p:cNvPr>
-        <p:cNvGrpSpPr/>
-        <p:nvPr/>
-      </p:nvGrpSpPr>
-      <p:grpSpPr>
-        <a:xfrm>
-          <a:off x="0" y="0"/>
-          <a:ext cx="0" cy="0"/>
-          <a:chOff x="0" y="0"/>
-          <a:chExt cx="0" cy="0"/>
-        </a:xfrm>
-      </p:grpSpPr>
-      <p:sp>
-        <p:nvSpPr>
-          <p:cNvPr id="2" name="Tijdelijke aanduiding voor verticale tekst 1">
-            <a:extLst>
-              <a:ext uri="{FF2B5EF4-FFF2-40B4-BE49-F238E27FC236}">
-                <a16:creationId xmlns:a16="http://schemas.microsoft.com/office/drawing/2014/main" id="{03B05F7F-B8F1-E600-F3BE-78B07CA9CA78}"/>
-              </a:ext>
-            </a:extLst>
-          </p:cNvPr>
-          <p:cNvSpPr>
-            <a:spLocks noGrp="1"/>
-          </p:cNvSpPr>
-          <p:nvPr>
-            <p:ph type="body" orient="vert" idx="1"/>
-          </p:nvPr>
-        </p:nvSpPr>
-        <p:spPr/>
-        <p:txBody>
-          <a:bodyPr/>
-          <a:lstStyle/>
-          <a:p>
-            <a:r>
-              <a:rPr lang="nl-NL" dirty="0"/>
-              <a:t>Singletons zijn geregistreerd in de host en dus per host</a:t>
-            </a:r>
-          </a:p>
-          <a:p>
-            <a:pPr lvl="1"/>
-            <a:r>
-              <a:rPr lang="nl-NL" dirty="0"/>
-              <a:t>Meerdere unit tests = meerdere </a:t>
-            </a:r>
-            <a:r>
-              <a:rPr lang="nl-NL" dirty="0" err="1"/>
-              <a:t>hosts</a:t>
-            </a:r>
-            <a:endParaRPr lang="nl-NL" dirty="0"/>
-          </a:p>
-          <a:p>
-            <a:r>
-              <a:rPr lang="nl-NL" dirty="0" err="1"/>
-              <a:t>Constructor</a:t>
-            </a:r>
-            <a:r>
-              <a:rPr lang="nl-NL" dirty="0"/>
-              <a:t> </a:t>
-            </a:r>
-            <a:r>
-              <a:rPr lang="nl-NL" dirty="0" err="1"/>
-              <a:t>dependency</a:t>
-            </a:r>
-            <a:r>
-              <a:rPr lang="nl-NL" dirty="0"/>
-              <a:t> </a:t>
-            </a:r>
-            <a:r>
-              <a:rPr lang="nl-NL" dirty="0" err="1"/>
-              <a:t>injection</a:t>
-            </a:r>
-            <a:endParaRPr lang="nl-NL" dirty="0"/>
-          </a:p>
-          <a:p>
-            <a:pPr lvl="1"/>
-            <a:r>
-              <a:rPr lang="nl-NL" dirty="0"/>
-              <a:t>Extra </a:t>
-            </a:r>
-            <a:r>
-              <a:rPr lang="nl-NL" dirty="0" err="1"/>
-              <a:t>dependency</a:t>
-            </a:r>
-            <a:r>
-              <a:rPr lang="nl-NL" dirty="0"/>
-              <a:t>, dan alleen </a:t>
-            </a:r>
-            <a:r>
-              <a:rPr lang="nl-NL" dirty="0" err="1"/>
-              <a:t>constructor</a:t>
-            </a:r>
-            <a:r>
-              <a:rPr lang="nl-NL" dirty="0"/>
-              <a:t> uitbreiden</a:t>
-            </a:r>
-          </a:p>
-          <a:p>
-            <a:pPr lvl="1"/>
-            <a:r>
-              <a:rPr lang="nl-NL" dirty="0"/>
-              <a:t>Circulaire </a:t>
-            </a:r>
-            <a:r>
-              <a:rPr lang="nl-NL" dirty="0" err="1"/>
-              <a:t>dependency</a:t>
-            </a:r>
-            <a:r>
-              <a:rPr lang="nl-NL" dirty="0"/>
-              <a:t> gedetecteerd en voorkomen</a:t>
-            </a:r>
-          </a:p>
-          <a:p>
-            <a:pPr lvl="1"/>
-            <a:r>
-              <a:rPr lang="nl-NL" dirty="0" err="1"/>
-              <a:t>Cleanup</a:t>
-            </a:r>
-            <a:r>
-              <a:rPr lang="nl-NL" dirty="0"/>
-              <a:t> automatisch gemanaged (</a:t>
-            </a:r>
-            <a:r>
-              <a:rPr lang="nl-NL" dirty="0" err="1"/>
-              <a:t>IDisposable</a:t>
-            </a:r>
-            <a:r>
-              <a:rPr lang="nl-NL" dirty="0"/>
-              <a:t>, </a:t>
-            </a:r>
-            <a:r>
-              <a:rPr lang="nl-NL" dirty="0" err="1"/>
-              <a:t>IAsyncDisposable</a:t>
-            </a:r>
-            <a:r>
-              <a:rPr lang="nl-NL" dirty="0"/>
-              <a:t>)</a:t>
-            </a:r>
-          </a:p>
-        </p:txBody>
-      </p:sp>
-      <p:sp>
-        <p:nvSpPr>
-          <p:cNvPr id="3" name="Titel 2">
-            <a:extLst>
-              <a:ext uri="{FF2B5EF4-FFF2-40B4-BE49-F238E27FC236}">
-                <a16:creationId xmlns:a16="http://schemas.microsoft.com/office/drawing/2014/main" id="{16AC9426-0F5D-F7CA-0059-49A12DC476EA}"/>
-              </a:ext>
-            </a:extLst>
-          </p:cNvPr>
-          <p:cNvSpPr>
-            <a:spLocks noGrp="1"/>
-          </p:cNvSpPr>
-          <p:nvPr>
-            <p:ph type="title"/>
-          </p:nvPr>
-        </p:nvSpPr>
-        <p:spPr/>
-        <p:txBody>
-          <a:bodyPr/>
-          <a:lstStyle/>
-          <a:p>
-            <a:r>
-              <a:rPr lang="nl-NL" dirty="0" err="1"/>
-              <a:t>Core</a:t>
-            </a:r>
-            <a:r>
-              <a:rPr lang="nl-NL" dirty="0"/>
-              <a:t> DI voordelen</a:t>
-            </a:r>
-          </a:p>
-        </p:txBody>
-      </p:sp>
-    </p:spTree>
-    <p:extLst>
-      <p:ext uri="{BB962C8B-B14F-4D97-AF65-F5344CB8AC3E}">
-        <p14:creationId xmlns:p14="http://schemas.microsoft.com/office/powerpoint/2010/main" val="1009806790"/>
-      </p:ext>
-    </p:extLst>
-  </p:cSld>
-  <p:clrMapOvr>
-    <a:masterClrMapping/>
-  </p:clrMapOvr>
-</p:sld>
-</file>
-
-<file path=ppt/slides/slide11.xml><?xml version="1.0" encoding="utf-8"?>
 <p:sld xmlns:a="http://schemas.openxmlformats.org/drawingml/2006/main" xmlns:r="http://schemas.openxmlformats.org/officeDocument/2006/relationships" xmlns:p="http://schemas.openxmlformats.org/presentationml/2006/main">
   <p:cSld>
     <p:spTree>
@@ -17339,10 +16824,22 @@
   <p:clrMapOvr>
     <a:masterClrMapping/>
   </p:clrMapOvr>
+  <mc:AlternateContent xmlns:mc="http://schemas.openxmlformats.org/markup-compatibility/2006">
+    <mc:Choice xmlns:p14="http://schemas.microsoft.com/office/powerpoint/2010/main" Requires="p14">
+      <p:transition spd="med" p14:dur="700">
+        <p:fade/>
+      </p:transition>
+    </mc:Choice>
+    <mc:Fallback>
+      <p:transition spd="med">
+        <p:fade/>
+      </p:transition>
+    </mc:Fallback>
+  </mc:AlternateContent>
 </p:sld>
 </file>
 
-<file path=ppt/slides/slide12.xml><?xml version="1.0" encoding="utf-8"?>
+<file path=ppt/slides/slide11.xml><?xml version="1.0" encoding="utf-8"?>
 <p:sld xmlns:a="http://schemas.openxmlformats.org/drawingml/2006/main" xmlns:r="http://schemas.openxmlformats.org/officeDocument/2006/relationships" xmlns:p="http://schemas.openxmlformats.org/presentationml/2006/main">
   <p:cSld>
     <p:spTree>
@@ -17445,7 +16942,7 @@
           <p:nvPr>
             <p:extLst>
               <p:ext uri="{D42A27DB-BD31-4B8C-83A1-F6EECF244321}">
-                <p14:modId xmlns:p14="http://schemas.microsoft.com/office/powerpoint/2010/main" val="2459678574"/>
+                <p14:modId xmlns:p14="http://schemas.microsoft.com/office/powerpoint/2010/main" val="1976989577"/>
               </p:ext>
             </p:extLst>
           </p:nvPr>
@@ -17565,7 +17062,7 @@
                     <a:p>
                       <a:r>
                         <a:rPr lang="nl-NL" dirty="0"/>
-                        <a:t>(thread-safe)</a:t>
+                        <a:t>(parallel safe)</a:t>
                       </a:r>
                     </a:p>
                   </a:txBody>
@@ -17701,7 +17198,7 @@
                     <a:p>
                       <a:r>
                         <a:rPr lang="nl-NL" dirty="0"/>
-                        <a:t>(thread-safe?)</a:t>
+                        <a:t>(niet-parallel safe)</a:t>
                       </a:r>
                     </a:p>
                   </a:txBody>
@@ -17818,7 +17315,7 @@
                     <a:p>
                       <a:r>
                         <a:rPr lang="nl-NL" dirty="0"/>
-                        <a:t>(niet thread-safe)</a:t>
+                        <a:t>(niet-parallel safe)</a:t>
                       </a:r>
                     </a:p>
                   </a:txBody>
@@ -17934,10 +17431,22 @@
   <p:clrMapOvr>
     <a:masterClrMapping/>
   </p:clrMapOvr>
+  <mc:AlternateContent xmlns:mc="http://schemas.openxmlformats.org/markup-compatibility/2006">
+    <mc:Choice xmlns:p14="http://schemas.microsoft.com/office/powerpoint/2010/main" Requires="p14">
+      <p:transition spd="med" p14:dur="700">
+        <p:fade/>
+      </p:transition>
+    </mc:Choice>
+    <mc:Fallback>
+      <p:transition spd="med">
+        <p:fade/>
+      </p:transition>
+    </mc:Fallback>
+  </mc:AlternateContent>
 </p:sld>
 </file>
 
-<file path=ppt/slides/slide13.xml><?xml version="1.0" encoding="utf-8"?>
+<file path=ppt/slides/slide12.xml><?xml version="1.0" encoding="utf-8"?>
 <p:sld xmlns:a="http://schemas.openxmlformats.org/drawingml/2006/main" xmlns:r="http://schemas.openxmlformats.org/officeDocument/2006/relationships" xmlns:p="http://schemas.openxmlformats.org/presentationml/2006/main">
   <p:cSld>
     <p:spTree>
@@ -18611,10 +18120,22 @@
   <p:clrMapOvr>
     <a:masterClrMapping/>
   </p:clrMapOvr>
+  <mc:AlternateContent xmlns:mc="http://schemas.openxmlformats.org/markup-compatibility/2006">
+    <mc:Choice xmlns:p14="http://schemas.microsoft.com/office/powerpoint/2010/main" Requires="p14">
+      <p:transition spd="med" p14:dur="700">
+        <p:fade/>
+      </p:transition>
+    </mc:Choice>
+    <mc:Fallback>
+      <p:transition spd="med">
+        <p:fade/>
+      </p:transition>
+    </mc:Fallback>
+  </mc:AlternateContent>
 </p:sld>
 </file>
 
-<file path=ppt/slides/slide14.xml><?xml version="1.0" encoding="utf-8"?>
+<file path=ppt/slides/slide13.xml><?xml version="1.0" encoding="utf-8"?>
 <p:sld xmlns:a="http://schemas.openxmlformats.org/drawingml/2006/main" xmlns:r="http://schemas.openxmlformats.org/officeDocument/2006/relationships" xmlns:p="http://schemas.openxmlformats.org/presentationml/2006/main">
   <p:cSld>
     <p:spTree>
@@ -18753,10 +18274,22 @@
   <p:clrMapOvr>
     <a:masterClrMapping/>
   </p:clrMapOvr>
+  <mc:AlternateContent xmlns:mc="http://schemas.openxmlformats.org/markup-compatibility/2006">
+    <mc:Choice xmlns:p14="http://schemas.microsoft.com/office/powerpoint/2010/main" Requires="p14">
+      <p:transition spd="med" p14:dur="700">
+        <p:fade/>
+      </p:transition>
+    </mc:Choice>
+    <mc:Fallback>
+      <p:transition spd="med">
+        <p:fade/>
+      </p:transition>
+    </mc:Fallback>
+  </mc:AlternateContent>
 </p:sld>
 </file>
 
-<file path=ppt/slides/slide15.xml><?xml version="1.0" encoding="utf-8"?>
+<file path=ppt/slides/slide14.xml><?xml version="1.0" encoding="utf-8"?>
 <p:sld xmlns:a="http://schemas.openxmlformats.org/drawingml/2006/main" xmlns:r="http://schemas.openxmlformats.org/officeDocument/2006/relationships" xmlns:p="http://schemas.openxmlformats.org/presentationml/2006/main">
   <p:cSld>
     <p:spTree>
@@ -19430,10 +18963,22 @@
   <p:clrMapOvr>
     <a:masterClrMapping/>
   </p:clrMapOvr>
+  <mc:AlternateContent xmlns:mc="http://schemas.openxmlformats.org/markup-compatibility/2006">
+    <mc:Choice xmlns:p14="http://schemas.microsoft.com/office/powerpoint/2010/main" Requires="p14">
+      <p:transition spd="med" p14:dur="700">
+        <p:fade/>
+      </p:transition>
+    </mc:Choice>
+    <mc:Fallback>
+      <p:transition spd="med">
+        <p:fade/>
+      </p:transition>
+    </mc:Fallback>
+  </mc:AlternateContent>
 </p:sld>
 </file>
 
-<file path=ppt/slides/slide16.xml><?xml version="1.0" encoding="utf-8"?>
+<file path=ppt/slides/slide15.xml><?xml version="1.0" encoding="utf-8"?>
 <p:sld xmlns:a="http://schemas.openxmlformats.org/drawingml/2006/main" xmlns:r="http://schemas.openxmlformats.org/officeDocument/2006/relationships" xmlns:p="http://schemas.openxmlformats.org/presentationml/2006/main">
   <p:cSld>
     <p:spTree>
@@ -20050,53 +19595,6 @@
           </a:p>
         </p:txBody>
       </p:sp>
-      <p:pic>
-        <p:nvPicPr>
-          <p:cNvPr id="10" name="Picture 2" descr="Live demo @ the staff club, Highfield - Digital Learning">
-            <a:extLst>
-              <a:ext uri="{FF2B5EF4-FFF2-40B4-BE49-F238E27FC236}">
-                <a16:creationId xmlns:a16="http://schemas.microsoft.com/office/drawing/2014/main" id="{BF69D234-46D8-833A-9630-4B6A12B36BBC}"/>
-              </a:ext>
-            </a:extLst>
-          </p:cNvPr>
-          <p:cNvPicPr>
-            <a:picLocks noChangeAspect="1" noChangeArrowheads="1"/>
-          </p:cNvPicPr>
-          <p:nvPr/>
-        </p:nvPicPr>
-        <p:blipFill>
-          <a:blip r:embed="rId3">
-            <a:extLst>
-              <a:ext uri="{28A0092B-C50C-407E-A947-70E740481C1C}">
-                <a14:useLocalDpi xmlns:a14="http://schemas.microsoft.com/office/drawing/2010/main" val="0"/>
-              </a:ext>
-            </a:extLst>
-          </a:blip>
-          <a:srcRect/>
-          <a:stretch>
-            <a:fillRect/>
-          </a:stretch>
-        </p:blipFill>
-        <p:spPr bwMode="auto">
-          <a:xfrm>
-            <a:off x="10313575" y="5887844"/>
-            <a:ext cx="1878425" cy="781500"/>
-          </a:xfrm>
-          <a:prstGeom prst="rect">
-            <a:avLst/>
-          </a:prstGeom>
-          <a:noFill/>
-          <a:extLst>
-            <a:ext uri="{909E8E84-426E-40DD-AFC4-6F175D3DCCD1}">
-              <a14:hiddenFill xmlns:a14="http://schemas.microsoft.com/office/drawing/2010/main">
-                <a:solidFill>
-                  <a:srgbClr val="FFFFFF"/>
-                </a:solidFill>
-              </a14:hiddenFill>
-            </a:ext>
-          </a:extLst>
-        </p:spPr>
-      </p:pic>
     </p:spTree>
     <p:extLst>
       <p:ext uri="{BB962C8B-B14F-4D97-AF65-F5344CB8AC3E}">
@@ -20107,10 +19605,22 @@
   <p:clrMapOvr>
     <a:masterClrMapping/>
   </p:clrMapOvr>
+  <mc:AlternateContent xmlns:mc="http://schemas.openxmlformats.org/markup-compatibility/2006">
+    <mc:Choice xmlns:p14="http://schemas.microsoft.com/office/powerpoint/2010/main" Requires="p14">
+      <p:transition spd="med" p14:dur="700">
+        <p:fade/>
+      </p:transition>
+    </mc:Choice>
+    <mc:Fallback>
+      <p:transition spd="med">
+        <p:fade/>
+      </p:transition>
+    </mc:Fallback>
+  </mc:AlternateContent>
 </p:sld>
 </file>
 
-<file path=ppt/slides/slide17.xml><?xml version="1.0" encoding="utf-8"?>
+<file path=ppt/slides/slide16.xml><?xml version="1.0" encoding="utf-8"?>
 <p:sld xmlns:a="http://schemas.openxmlformats.org/drawingml/2006/main" xmlns:r="http://schemas.openxmlformats.org/officeDocument/2006/relationships" xmlns:p="http://schemas.openxmlformats.org/presentationml/2006/main">
   <p:cSld>
     <p:spTree>
@@ -20383,10 +19893,22 @@
   <p:clrMapOvr>
     <a:masterClrMapping/>
   </p:clrMapOvr>
+  <mc:AlternateContent xmlns:mc="http://schemas.openxmlformats.org/markup-compatibility/2006">
+    <mc:Choice xmlns:p14="http://schemas.microsoft.com/office/powerpoint/2010/main" Requires="p14">
+      <p:transition spd="med" p14:dur="700">
+        <p:fade/>
+      </p:transition>
+    </mc:Choice>
+    <mc:Fallback>
+      <p:transition spd="med">
+        <p:fade/>
+      </p:transition>
+    </mc:Fallback>
+  </mc:AlternateContent>
 </p:sld>
 </file>
 
-<file path=ppt/slides/slide18.xml><?xml version="1.0" encoding="utf-8"?>
+<file path=ppt/slides/slide17.xml><?xml version="1.0" encoding="utf-8"?>
 <p:sld xmlns:a="http://schemas.openxmlformats.org/drawingml/2006/main" xmlns:r="http://schemas.openxmlformats.org/officeDocument/2006/relationships" xmlns:p="http://schemas.openxmlformats.org/presentationml/2006/main">
   <p:cSld>
     <p:spTree>
@@ -20582,10 +20104,22 @@
   <p:clrMapOvr>
     <a:masterClrMapping/>
   </p:clrMapOvr>
+  <mc:AlternateContent xmlns:mc="http://schemas.openxmlformats.org/markup-compatibility/2006">
+    <mc:Choice xmlns:p14="http://schemas.microsoft.com/office/powerpoint/2010/main" Requires="p14">
+      <p:transition spd="med" p14:dur="700">
+        <p:fade/>
+      </p:transition>
+    </mc:Choice>
+    <mc:Fallback>
+      <p:transition spd="med">
+        <p:fade/>
+      </p:transition>
+    </mc:Fallback>
+  </mc:AlternateContent>
 </p:sld>
 </file>
 
-<file path=ppt/slides/slide19.xml><?xml version="1.0" encoding="utf-8"?>
+<file path=ppt/slides/slide18.xml><?xml version="1.0" encoding="utf-8"?>
 <p:sld xmlns:a="http://schemas.openxmlformats.org/drawingml/2006/main" xmlns:r="http://schemas.openxmlformats.org/officeDocument/2006/relationships" xmlns:p="http://schemas.openxmlformats.org/presentationml/2006/main">
   <p:cSld>
     <p:spTree>
@@ -21159,99 +20693,22 @@
   <p:clrMapOvr>
     <a:masterClrMapping/>
   </p:clrMapOvr>
+  <mc:AlternateContent xmlns:mc="http://schemas.openxmlformats.org/markup-compatibility/2006">
+    <mc:Choice xmlns:p14="http://schemas.microsoft.com/office/powerpoint/2010/main" Requires="p14">
+      <p:transition spd="med" p14:dur="700">
+        <p:fade/>
+      </p:transition>
+    </mc:Choice>
+    <mc:Fallback>
+      <p:transition spd="med">
+        <p:fade/>
+      </p:transition>
+    </mc:Fallback>
+  </mc:AlternateContent>
 </p:sld>
 </file>
 
-<file path=ppt/slides/slide2.xml><?xml version="1.0" encoding="utf-8"?>
-<p:sld xmlns:a="http://schemas.openxmlformats.org/drawingml/2006/main" xmlns:r="http://schemas.openxmlformats.org/officeDocument/2006/relationships" xmlns:p="http://schemas.openxmlformats.org/presentationml/2006/main">
-  <p:cSld>
-    <p:spTree>
-      <p:nvGrpSpPr>
-        <p:cNvPr id="1" name=""/>
-        <p:cNvGrpSpPr/>
-        <p:nvPr/>
-      </p:nvGrpSpPr>
-      <p:grpSpPr>
-        <a:xfrm>
-          <a:off x="0" y="0"/>
-          <a:ext cx="0" cy="0"/>
-          <a:chOff x="0" y="0"/>
-          <a:chExt cx="0" cy="0"/>
-        </a:xfrm>
-      </p:grpSpPr>
-      <p:sp>
-        <p:nvSpPr>
-          <p:cNvPr id="2" name="Tijdelijke aanduiding voor tekst 1">
-            <a:extLst>
-              <a:ext uri="{FF2B5EF4-FFF2-40B4-BE49-F238E27FC236}">
-                <a16:creationId xmlns:a16="http://schemas.microsoft.com/office/drawing/2014/main" id="{937937BA-E4C6-3ADE-F762-8DB900AF0A0E}"/>
-              </a:ext>
-            </a:extLst>
-          </p:cNvPr>
-          <p:cNvSpPr>
-            <a:spLocks noGrp="1"/>
-          </p:cNvSpPr>
-          <p:nvPr>
-            <p:ph type="body" sz="quarter" idx="15"/>
-          </p:nvPr>
-        </p:nvSpPr>
-        <p:spPr/>
-        <p:txBody>
-          <a:bodyPr/>
-          <a:lstStyle/>
-          <a:p>
-            <a:r>
-              <a:rPr lang="nl-NL" dirty="0" err="1"/>
-              <a:t>Dependency</a:t>
-            </a:r>
-            <a:r>
-              <a:rPr lang="nl-NL" dirty="0"/>
-              <a:t> </a:t>
-            </a:r>
-            <a:r>
-              <a:rPr lang="nl-NL" dirty="0" err="1"/>
-              <a:t>injection</a:t>
-            </a:r>
-            <a:r>
-              <a:rPr lang="nl-NL" dirty="0"/>
-              <a:t> in .NET </a:t>
-            </a:r>
-            <a:r>
-              <a:rPr lang="nl-NL" dirty="0" err="1"/>
-              <a:t>Core</a:t>
-            </a:r>
-            <a:endParaRPr lang="nl-NL" dirty="0"/>
-          </a:p>
-          <a:p>
-            <a:r>
-              <a:rPr lang="nl-NL" dirty="0"/>
-              <a:t>(en unit </a:t>
-            </a:r>
-            <a:r>
-              <a:rPr lang="nl-NL" dirty="0" err="1"/>
-              <a:t>testing</a:t>
-            </a:r>
-            <a:r>
-              <a:rPr lang="nl-NL" dirty="0"/>
-              <a:t>)</a:t>
-            </a:r>
-          </a:p>
-        </p:txBody>
-      </p:sp>
-    </p:spTree>
-    <p:extLst>
-      <p:ext uri="{BB962C8B-B14F-4D97-AF65-F5344CB8AC3E}">
-        <p14:creationId xmlns:p14="http://schemas.microsoft.com/office/powerpoint/2010/main" val="1919522209"/>
-      </p:ext>
-    </p:extLst>
-  </p:cSld>
-  <p:clrMapOvr>
-    <a:masterClrMapping/>
-  </p:clrMapOvr>
-</p:sld>
-</file>
-
-<file path=ppt/slides/slide20.xml><?xml version="1.0" encoding="utf-8"?>
+<file path=ppt/slides/slide19.xml><?xml version="1.0" encoding="utf-8"?>
 <p:sld xmlns:a="http://schemas.openxmlformats.org/drawingml/2006/main" xmlns:r="http://schemas.openxmlformats.org/officeDocument/2006/relationships" xmlns:p="http://schemas.openxmlformats.org/presentationml/2006/main">
   <p:cSld>
     <p:spTree>
@@ -21878,10 +21335,144 @@
   <p:clrMapOvr>
     <a:masterClrMapping/>
   </p:clrMapOvr>
+  <mc:AlternateContent xmlns:mc="http://schemas.openxmlformats.org/markup-compatibility/2006">
+    <mc:Choice xmlns:p14="http://schemas.microsoft.com/office/powerpoint/2010/main" Requires="p14">
+      <p:transition spd="med" p14:dur="700">
+        <p:fade/>
+      </p:transition>
+    </mc:Choice>
+    <mc:Fallback>
+      <p:transition spd="med">
+        <p:fade/>
+      </p:transition>
+    </mc:Fallback>
+  </mc:AlternateContent>
 </p:sld>
 </file>
 
-<file path=ppt/slides/slide21.xml><?xml version="1.0" encoding="utf-8"?>
+<file path=ppt/slides/slide2.xml><?xml version="1.0" encoding="utf-8"?>
+<p:sld xmlns:a="http://schemas.openxmlformats.org/drawingml/2006/main" xmlns:r="http://schemas.openxmlformats.org/officeDocument/2006/relationships" xmlns:p="http://schemas.openxmlformats.org/presentationml/2006/main">
+  <p:cSld>
+    <p:spTree>
+      <p:nvGrpSpPr>
+        <p:cNvPr id="1" name=""/>
+        <p:cNvGrpSpPr/>
+        <p:nvPr/>
+      </p:nvGrpSpPr>
+      <p:grpSpPr>
+        <a:xfrm>
+          <a:off x="0" y="0"/>
+          <a:ext cx="0" cy="0"/>
+          <a:chOff x="0" y="0"/>
+          <a:chExt cx="0" cy="0"/>
+        </a:xfrm>
+      </p:grpSpPr>
+      <p:pic>
+        <p:nvPicPr>
+          <p:cNvPr id="6" name="Tijdelijke aanduiding voor afbeelding 5" descr="Afbeelding met Menselijk gezicht, persoon, kleding, glimlach&#10;&#10;Automatisch gegenereerde beschrijving">
+            <a:extLst>
+              <a:ext uri="{FF2B5EF4-FFF2-40B4-BE49-F238E27FC236}">
+                <a16:creationId xmlns:a16="http://schemas.microsoft.com/office/drawing/2014/main" id="{119B5D23-7738-E8CD-05BF-5809457BBE96}"/>
+              </a:ext>
+            </a:extLst>
+          </p:cNvPr>
+          <p:cNvPicPr>
+            <a:picLocks noGrp="1" noChangeAspect="1"/>
+          </p:cNvPicPr>
+          <p:nvPr>
+            <p:ph type="pic" sz="quarter" idx="17"/>
+          </p:nvPr>
+        </p:nvPicPr>
+        <p:blipFill>
+          <a:blip r:embed="rId3">
+            <a:extLst>
+              <a:ext uri="{28A0092B-C50C-407E-A947-70E740481C1C}">
+                <a14:useLocalDpi xmlns:a14="http://schemas.microsoft.com/office/drawing/2010/main" val="0"/>
+              </a:ext>
+            </a:extLst>
+          </a:blip>
+          <a:srcRect l="24928" r="24928"/>
+          <a:stretch>
+            <a:fillRect/>
+          </a:stretch>
+        </p:blipFill>
+        <p:spPr/>
+      </p:pic>
+      <p:sp>
+        <p:nvSpPr>
+          <p:cNvPr id="3" name="Tijdelijke aanduiding voor tekst 2">
+            <a:extLst>
+              <a:ext uri="{FF2B5EF4-FFF2-40B4-BE49-F238E27FC236}">
+                <a16:creationId xmlns:a16="http://schemas.microsoft.com/office/drawing/2014/main" id="{B0F89012-78C2-F3C8-4E20-24B1AEFC16BC}"/>
+              </a:ext>
+            </a:extLst>
+          </p:cNvPr>
+          <p:cNvSpPr>
+            <a:spLocks noGrp="1"/>
+          </p:cNvSpPr>
+          <p:nvPr>
+            <p:ph type="body" sz="quarter" idx="15"/>
+          </p:nvPr>
+        </p:nvSpPr>
+        <p:spPr>
+          <a:xfrm>
+            <a:off x="863997" y="852488"/>
+            <a:ext cx="5214369" cy="5132387"/>
+          </a:xfrm>
+        </p:spPr>
+        <p:txBody>
+          <a:bodyPr/>
+          <a:lstStyle/>
+          <a:p>
+            <a:r>
+              <a:rPr lang="nl-NL" dirty="0"/>
+              <a:t>Bart Vries</a:t>
+            </a:r>
+            <a:br>
+              <a:rPr lang="nl-NL" dirty="0"/>
+            </a:br>
+            <a:r>
+              <a:rPr lang="nl-NL" dirty="0"/>
+              <a:t>Lead Software Architect</a:t>
+            </a:r>
+          </a:p>
+          <a:p>
+            <a:endParaRPr lang="nl-NL" dirty="0"/>
+          </a:p>
+          <a:p>
+            <a:r>
+              <a:rPr lang="nl-NL" dirty="0"/>
+              <a:t>Bij AFAS in 1999</a:t>
+            </a:r>
+          </a:p>
+        </p:txBody>
+      </p:sp>
+    </p:spTree>
+    <p:extLst>
+      <p:ext uri="{BB962C8B-B14F-4D97-AF65-F5344CB8AC3E}">
+        <p14:creationId xmlns:p14="http://schemas.microsoft.com/office/powerpoint/2010/main" val="507860871"/>
+      </p:ext>
+    </p:extLst>
+  </p:cSld>
+  <p:clrMapOvr>
+    <a:masterClrMapping/>
+  </p:clrMapOvr>
+  <mc:AlternateContent xmlns:mc="http://schemas.openxmlformats.org/markup-compatibility/2006">
+    <mc:Choice xmlns:p14="http://schemas.microsoft.com/office/powerpoint/2010/main" Requires="p14">
+      <p:transition spd="med" p14:dur="700">
+        <p:fade/>
+      </p:transition>
+    </mc:Choice>
+    <mc:Fallback>
+      <p:transition spd="med">
+        <p:fade/>
+      </p:transition>
+    </mc:Fallback>
+  </mc:AlternateContent>
+</p:sld>
+</file>
+
+<file path=ppt/slides/slide20.xml><?xml version="1.0" encoding="utf-8"?>
 <p:sld xmlns:a="http://schemas.openxmlformats.org/drawingml/2006/main" xmlns:r="http://schemas.openxmlformats.org/officeDocument/2006/relationships" xmlns:p="http://schemas.openxmlformats.org/presentationml/2006/main">
   <p:cSld>
     <p:spTree>
@@ -22076,10 +21667,22 @@
   <p:clrMapOvr>
     <a:masterClrMapping/>
   </p:clrMapOvr>
+  <mc:AlternateContent xmlns:mc="http://schemas.openxmlformats.org/markup-compatibility/2006">
+    <mc:Choice xmlns:p14="http://schemas.microsoft.com/office/powerpoint/2010/main" Requires="p14">
+      <p:transition spd="med" p14:dur="700">
+        <p:fade/>
+      </p:transition>
+    </mc:Choice>
+    <mc:Fallback>
+      <p:transition spd="med">
+        <p:fade/>
+      </p:transition>
+    </mc:Fallback>
+  </mc:AlternateContent>
 </p:sld>
 </file>
 
-<file path=ppt/slides/slide22.xml><?xml version="1.0" encoding="utf-8"?>
+<file path=ppt/slides/slide21.xml><?xml version="1.0" encoding="utf-8"?>
 <p:sld xmlns:a="http://schemas.openxmlformats.org/drawingml/2006/main" xmlns:r="http://schemas.openxmlformats.org/officeDocument/2006/relationships" xmlns:p="http://schemas.openxmlformats.org/presentationml/2006/main">
   <p:cSld>
     <p:spTree>
@@ -22222,10 +21825,22 @@
   <p:clrMapOvr>
     <a:masterClrMapping/>
   </p:clrMapOvr>
+  <mc:AlternateContent xmlns:mc="http://schemas.openxmlformats.org/markup-compatibility/2006">
+    <mc:Choice xmlns:p14="http://schemas.microsoft.com/office/powerpoint/2010/main" Requires="p14">
+      <p:transition spd="med" p14:dur="700">
+        <p:fade/>
+      </p:transition>
+    </mc:Choice>
+    <mc:Fallback>
+      <p:transition spd="med">
+        <p:fade/>
+      </p:transition>
+    </mc:Fallback>
+  </mc:AlternateContent>
 </p:sld>
 </file>
 
-<file path=ppt/slides/slide23.xml><?xml version="1.0" encoding="utf-8"?>
+<file path=ppt/slides/slide22.xml><?xml version="1.0" encoding="utf-8"?>
 <p:sld xmlns:a="http://schemas.openxmlformats.org/drawingml/2006/main" xmlns:r="http://schemas.openxmlformats.org/officeDocument/2006/relationships" xmlns:p="http://schemas.openxmlformats.org/presentationml/2006/main">
   <p:cSld>
     <p:spTree>
@@ -22852,10 +22467,22 @@
   <p:clrMapOvr>
     <a:masterClrMapping/>
   </p:clrMapOvr>
+  <mc:AlternateContent xmlns:mc="http://schemas.openxmlformats.org/markup-compatibility/2006">
+    <mc:Choice xmlns:p14="http://schemas.microsoft.com/office/powerpoint/2010/main" Requires="p14">
+      <p:transition spd="med" p14:dur="700">
+        <p:fade/>
+      </p:transition>
+    </mc:Choice>
+    <mc:Fallback>
+      <p:transition spd="med">
+        <p:fade/>
+      </p:transition>
+    </mc:Fallback>
+  </mc:AlternateContent>
 </p:sld>
 </file>
 
-<file path=ppt/slides/slide24.xml><?xml version="1.0" encoding="utf-8"?>
+<file path=ppt/slides/slide23.xml><?xml version="1.0" encoding="utf-8"?>
 <p:sld xmlns:a="http://schemas.openxmlformats.org/drawingml/2006/main" xmlns:r="http://schemas.openxmlformats.org/officeDocument/2006/relationships" xmlns:p="http://schemas.openxmlformats.org/presentationml/2006/main">
   <p:cSld>
     <p:spTree>
@@ -22901,11 +22528,11 @@
           <a:p>
             <a:r>
               <a:rPr lang="nl-NL" dirty="0"/>
-              <a:t>Injecteer nooit </a:t>
+              <a:t>Injecteer (vrijwel) nooit </a:t>
             </a:r>
             <a:r>
               <a:rPr lang="nl-NL" dirty="0" err="1"/>
-              <a:t>IServiceProvider</a:t>
+              <a:t>IServiceProviden</a:t>
             </a:r>
             <a:endParaRPr lang="nl-NL" dirty="0"/>
           </a:p>
@@ -22957,6 +22584,39 @@
           </a:p>
           <a:p>
             <a:r>
+              <a:rPr lang="nl-NL" dirty="0"/>
+              <a:t>Gebruik geen </a:t>
+            </a:r>
+            <a:r>
+              <a:rPr lang="nl-NL" dirty="0" err="1"/>
+              <a:t>scoped</a:t>
+            </a:r>
+            <a:r>
+              <a:rPr lang="nl-NL" dirty="0"/>
+              <a:t> in </a:t>
+            </a:r>
+            <a:r>
+              <a:rPr lang="nl-NL" dirty="0" err="1"/>
+              <a:t>parallele</a:t>
+            </a:r>
+            <a:r>
+              <a:rPr lang="nl-NL" dirty="0"/>
+              <a:t> code of creëer nieuwe scope</a:t>
+            </a:r>
+          </a:p>
+          <a:p>
+            <a:pPr lvl="1"/>
+            <a:r>
+              <a:rPr lang="nl-NL" dirty="0" err="1"/>
+              <a:t>Scoped</a:t>
+            </a:r>
+            <a:r>
+              <a:rPr lang="nl-NL" dirty="0"/>
+              <a:t> wordt niet verwacht parallel gebruikt te worden</a:t>
+            </a:r>
+          </a:p>
+          <a:p>
+            <a:r>
               <a:rPr lang="nl-NL" dirty="0" err="1"/>
               <a:t>Expose</a:t>
             </a:r>
@@ -22984,87 +22644,26 @@
           <a:p>
             <a:r>
               <a:rPr lang="nl-NL" dirty="0"/>
-              <a:t>Geen </a:t>
+              <a:t>Gebruik alleen </a:t>
             </a:r>
             <a:r>
               <a:rPr lang="nl-NL" dirty="0" err="1"/>
-              <a:t>secrets</a:t>
-            </a:r>
-            <a:r>
-              <a:rPr lang="nl-NL" dirty="0"/>
-              <a:t> in </a:t>
-            </a:r>
-            <a:r>
-              <a:rPr lang="nl-NL" dirty="0" err="1"/>
-              <a:t>AppSettings</a:t>
-            </a:r>
-            <a:r>
-              <a:rPr lang="nl-NL" dirty="0"/>
-              <a:t>[.Development].</a:t>
-            </a:r>
-            <a:r>
-              <a:rPr lang="nl-NL" dirty="0" err="1"/>
-              <a:t>json</a:t>
-            </a:r>
+              <a:t>Lazy</a:t>
+            </a:r>
+            <a:r>
+              <a:rPr lang="nl-NL" dirty="0"/>
+              <a:t>&lt;&gt; indien echt performance verbetering nodig is</a:t>
+            </a:r>
+          </a:p>
+          <a:p>
+            <a:pPr lvl="1"/>
+            <a:r>
+              <a:rPr lang="nl-NL" dirty="0"/>
+              <a:t>Dit is bij singleton vrijwel altijd overbodig</a:t>
+            </a:r>
+          </a:p>
+          <a:p>
             <a:endParaRPr lang="nl-NL" dirty="0"/>
-          </a:p>
-          <a:p>
-            <a:pPr lvl="1"/>
-            <a:r>
-              <a:rPr lang="nl-NL" dirty="0"/>
-              <a:t>Gebruik user </a:t>
-            </a:r>
-            <a:r>
-              <a:rPr lang="nl-NL" dirty="0" err="1"/>
-              <a:t>secrets</a:t>
-            </a:r>
-            <a:endParaRPr lang="nl-NL" dirty="0"/>
-          </a:p>
-          <a:p>
-            <a:r>
-              <a:rPr lang="nl-NL" dirty="0"/>
-              <a:t>Voorkom externe </a:t>
-            </a:r>
-            <a:r>
-              <a:rPr lang="nl-NL" dirty="0" err="1"/>
-              <a:t>dependencies</a:t>
-            </a:r>
-            <a:r>
-              <a:rPr lang="nl-NL" dirty="0"/>
-              <a:t> in tests, prefereer “</a:t>
-            </a:r>
-            <a:r>
-              <a:rPr lang="nl-NL" dirty="0" err="1"/>
-              <a:t>embedded</a:t>
-            </a:r>
-            <a:r>
-              <a:rPr lang="nl-NL" dirty="0"/>
-              <a:t> resources”</a:t>
-            </a:r>
-          </a:p>
-          <a:p>
-            <a:r>
-              <a:rPr lang="nl-NL" dirty="0"/>
-              <a:t>Gebruik </a:t>
-            </a:r>
-            <a:r>
-              <a:rPr lang="nl-NL" dirty="0" err="1"/>
-              <a:t>FakeItEasy</a:t>
-            </a:r>
-            <a:r>
-              <a:rPr lang="nl-NL" dirty="0"/>
-              <a:t> alleen waar nodig</a:t>
-            </a:r>
-          </a:p>
-          <a:p>
-            <a:r>
-              <a:rPr lang="nl-NL" dirty="0" err="1"/>
-              <a:t>Refactor</a:t>
-            </a:r>
-            <a:r>
-              <a:rPr lang="nl-NL" dirty="0"/>
-              <a:t>!</a:t>
-            </a:r>
           </a:p>
         </p:txBody>
       </p:sp>
@@ -23123,6 +22722,221 @@
   <p:clrMapOvr>
     <a:masterClrMapping/>
   </p:clrMapOvr>
+  <mc:AlternateContent xmlns:mc="http://schemas.openxmlformats.org/markup-compatibility/2006">
+    <mc:Choice xmlns:p14="http://schemas.microsoft.com/office/powerpoint/2010/main" Requires="p14">
+      <p:transition spd="med" p14:dur="700">
+        <p:fade/>
+      </p:transition>
+    </mc:Choice>
+    <mc:Fallback>
+      <p:transition spd="med">
+        <p:fade/>
+      </p:transition>
+    </mc:Fallback>
+  </mc:AlternateContent>
+</p:sld>
+</file>
+
+<file path=ppt/slides/slide24.xml><?xml version="1.0" encoding="utf-8"?>
+<p:sld xmlns:a="http://schemas.openxmlformats.org/drawingml/2006/main" xmlns:r="http://schemas.openxmlformats.org/officeDocument/2006/relationships" xmlns:p="http://schemas.openxmlformats.org/presentationml/2006/main">
+  <p:cSld>
+    <p:spTree>
+      <p:nvGrpSpPr>
+        <p:cNvPr id="1" name="">
+          <a:extLst>
+            <a:ext uri="{FF2B5EF4-FFF2-40B4-BE49-F238E27FC236}">
+              <a16:creationId xmlns:a16="http://schemas.microsoft.com/office/drawing/2014/main" id="{9F5531AE-9872-6EBC-61DF-13A3F247077E}"/>
+            </a:ext>
+          </a:extLst>
+        </p:cNvPr>
+        <p:cNvGrpSpPr/>
+        <p:nvPr/>
+      </p:nvGrpSpPr>
+      <p:grpSpPr>
+        <a:xfrm>
+          <a:off x="0" y="0"/>
+          <a:ext cx="0" cy="0"/>
+          <a:chOff x="0" y="0"/>
+          <a:chExt cx="0" cy="0"/>
+        </a:xfrm>
+      </p:grpSpPr>
+      <p:sp>
+        <p:nvSpPr>
+          <p:cNvPr id="4" name="Tijdelijke aanduiding voor verticale tekst 3">
+            <a:extLst>
+              <a:ext uri="{FF2B5EF4-FFF2-40B4-BE49-F238E27FC236}">
+                <a16:creationId xmlns:a16="http://schemas.microsoft.com/office/drawing/2014/main" id="{2AA9F96B-464D-4458-6F06-091D10869149}"/>
+              </a:ext>
+            </a:extLst>
+          </p:cNvPr>
+          <p:cNvSpPr>
+            <a:spLocks noGrp="1"/>
+          </p:cNvSpPr>
+          <p:nvPr>
+            <p:ph type="body" orient="vert" idx="1"/>
+          </p:nvPr>
+        </p:nvSpPr>
+        <p:spPr/>
+        <p:txBody>
+          <a:bodyPr/>
+          <a:lstStyle/>
+          <a:p>
+            <a:r>
+              <a:rPr lang="nl-NL" dirty="0"/>
+              <a:t>Geen </a:t>
+            </a:r>
+            <a:r>
+              <a:rPr lang="nl-NL" dirty="0" err="1"/>
+              <a:t>secrets</a:t>
+            </a:r>
+            <a:r>
+              <a:rPr lang="nl-NL" dirty="0"/>
+              <a:t> in </a:t>
+            </a:r>
+            <a:r>
+              <a:rPr lang="nl-NL" dirty="0" err="1"/>
+              <a:t>AppSettings</a:t>
+            </a:r>
+            <a:r>
+              <a:rPr lang="nl-NL" dirty="0"/>
+              <a:t>[.Development].</a:t>
+            </a:r>
+            <a:r>
+              <a:rPr lang="nl-NL" dirty="0" err="1"/>
+              <a:t>json</a:t>
+            </a:r>
+            <a:endParaRPr lang="nl-NL" dirty="0"/>
+          </a:p>
+          <a:p>
+            <a:pPr lvl="1"/>
+            <a:r>
+              <a:rPr lang="nl-NL" dirty="0"/>
+              <a:t>Gebruik user </a:t>
+            </a:r>
+            <a:r>
+              <a:rPr lang="nl-NL" dirty="0" err="1"/>
+              <a:t>secrets</a:t>
+            </a:r>
+            <a:endParaRPr lang="nl-NL" dirty="0"/>
+          </a:p>
+          <a:p>
+            <a:r>
+              <a:rPr lang="nl-NL" dirty="0"/>
+              <a:t>Gebruik </a:t>
+            </a:r>
+            <a:r>
+              <a:rPr lang="nl-NL" dirty="0" err="1"/>
+              <a:t>FakeItEasy</a:t>
+            </a:r>
+            <a:r>
+              <a:rPr lang="nl-NL" dirty="0"/>
+              <a:t> alleen waar nodig</a:t>
+            </a:r>
+          </a:p>
+          <a:p>
+            <a:r>
+              <a:rPr lang="nl-NL" dirty="0" err="1"/>
+              <a:t>Refactor</a:t>
+            </a:r>
+            <a:r>
+              <a:rPr lang="nl-NL" dirty="0"/>
+              <a:t>!</a:t>
+            </a:r>
+          </a:p>
+          <a:p>
+            <a:r>
+              <a:rPr lang="nl-NL" dirty="0"/>
+              <a:t>Voorkom externe </a:t>
+            </a:r>
+            <a:r>
+              <a:rPr lang="nl-NL" dirty="0" err="1"/>
+              <a:t>dependencies</a:t>
+            </a:r>
+            <a:r>
+              <a:rPr lang="nl-NL" dirty="0"/>
+              <a:t> in tests, prefereer “</a:t>
+            </a:r>
+            <a:r>
+              <a:rPr lang="nl-NL" dirty="0" err="1"/>
+              <a:t>embedded</a:t>
+            </a:r>
+            <a:r>
+              <a:rPr lang="nl-NL" dirty="0"/>
+              <a:t> resources”</a:t>
+            </a:r>
+          </a:p>
+          <a:p>
+            <a:endParaRPr lang="nl-NL" dirty="0"/>
+          </a:p>
+        </p:txBody>
+      </p:sp>
+      <p:sp>
+        <p:nvSpPr>
+          <p:cNvPr id="3" name="Titel 2">
+            <a:extLst>
+              <a:ext uri="{FF2B5EF4-FFF2-40B4-BE49-F238E27FC236}">
+                <a16:creationId xmlns:a16="http://schemas.microsoft.com/office/drawing/2014/main" id="{5A226FFA-C359-F22A-8981-849D3698BDDF}"/>
+              </a:ext>
+            </a:extLst>
+          </p:cNvPr>
+          <p:cNvSpPr>
+            <a:spLocks noGrp="1"/>
+          </p:cNvSpPr>
+          <p:nvPr>
+            <p:ph type="title"/>
+          </p:nvPr>
+        </p:nvSpPr>
+        <p:spPr/>
+        <p:txBody>
+          <a:bodyPr/>
+          <a:lstStyle/>
+          <a:p>
+            <a:r>
+              <a:rPr lang="nl-NL" b="1" dirty="0">
+                <a:latin typeface="Roboto" panose="02000000000000000000" pitchFamily="2" charset="0"/>
+                <a:ea typeface="Roboto" panose="02000000000000000000" pitchFamily="2" charset="0"/>
+              </a:rPr>
+              <a:t>Best </a:t>
+            </a:r>
+            <a:r>
+              <a:rPr lang="nl-NL" b="1" dirty="0" err="1">
+                <a:latin typeface="Roboto" panose="02000000000000000000" pitchFamily="2" charset="0"/>
+                <a:ea typeface="Roboto" panose="02000000000000000000" pitchFamily="2" charset="0"/>
+              </a:rPr>
+              <a:t>practices</a:t>
+            </a:r>
+            <a:br>
+              <a:rPr lang="nl-NL" b="1" dirty="0">
+                <a:latin typeface="Roboto" panose="02000000000000000000" pitchFamily="2" charset="0"/>
+                <a:ea typeface="Roboto" panose="02000000000000000000" pitchFamily="2" charset="0"/>
+              </a:rPr>
+            </a:br>
+            <a:endParaRPr lang="nl-NL" dirty="0"/>
+          </a:p>
+        </p:txBody>
+      </p:sp>
+    </p:spTree>
+    <p:extLst>
+      <p:ext uri="{BB962C8B-B14F-4D97-AF65-F5344CB8AC3E}">
+        <p14:creationId xmlns:p14="http://schemas.microsoft.com/office/powerpoint/2010/main" val="1262945164"/>
+      </p:ext>
+    </p:extLst>
+  </p:cSld>
+  <p:clrMapOvr>
+    <a:masterClrMapping/>
+  </p:clrMapOvr>
+  <mc:AlternateContent xmlns:mc="http://schemas.openxmlformats.org/markup-compatibility/2006">
+    <mc:Choice xmlns:p14="http://schemas.microsoft.com/office/powerpoint/2010/main" Requires="p14">
+      <p:transition spd="med" p14:dur="700">
+        <p:fade/>
+      </p:transition>
+    </mc:Choice>
+    <mc:Fallback>
+      <p:transition spd="med">
+        <p:fade/>
+      </p:transition>
+    </mc:Fallback>
+  </mc:AlternateContent>
 </p:sld>
 </file>
 
@@ -23284,6 +23098,18 @@
   <p:clrMapOvr>
     <a:masterClrMapping/>
   </p:clrMapOvr>
+  <mc:AlternateContent xmlns:mc="http://schemas.openxmlformats.org/markup-compatibility/2006">
+    <mc:Choice xmlns:p14="http://schemas.microsoft.com/office/powerpoint/2010/main" Requires="p14">
+      <p:transition spd="med" p14:dur="700">
+        <p:fade/>
+      </p:transition>
+    </mc:Choice>
+    <mc:Fallback>
+      <p:transition spd="med">
+        <p:fade/>
+      </p:transition>
+    </mc:Fallback>
+  </mc:AlternateContent>
 </p:sld>
 </file>
 
@@ -23373,6 +23199,18 @@
   <p:clrMapOvr>
     <a:masterClrMapping/>
   </p:clrMapOvr>
+  <mc:AlternateContent xmlns:mc="http://schemas.openxmlformats.org/markup-compatibility/2006">
+    <mc:Choice xmlns:p14="http://schemas.microsoft.com/office/powerpoint/2010/main" Requires="p14">
+      <p:transition spd="med" p14:dur="700">
+        <p:fade/>
+      </p:transition>
+    </mc:Choice>
+    <mc:Fallback>
+      <p:transition spd="med">
+        <p:fade/>
+      </p:transition>
+    </mc:Fallback>
+  </mc:AlternateContent>
 </p:sld>
 </file>
 
@@ -23494,120 +23332,22 @@
   <p:clrMapOvr>
     <a:masterClrMapping/>
   </p:clrMapOvr>
+  <mc:AlternateContent xmlns:mc="http://schemas.openxmlformats.org/markup-compatibility/2006">
+    <mc:Choice xmlns:p14="http://schemas.microsoft.com/office/powerpoint/2010/main" Requires="p14">
+      <p:transition spd="med" p14:dur="700">
+        <p:fade/>
+      </p:transition>
+    </mc:Choice>
+    <mc:Fallback>
+      <p:transition spd="med">
+        <p:fade/>
+      </p:transition>
+    </mc:Fallback>
+  </mc:AlternateContent>
 </p:sld>
 </file>
 
 <file path=ppt/slides/slide3.xml><?xml version="1.0" encoding="utf-8"?>
-<p:sld xmlns:a="http://schemas.openxmlformats.org/drawingml/2006/main" xmlns:r="http://schemas.openxmlformats.org/officeDocument/2006/relationships" xmlns:p="http://schemas.openxmlformats.org/presentationml/2006/main">
-  <p:cSld>
-    <p:spTree>
-      <p:nvGrpSpPr>
-        <p:cNvPr id="1" name=""/>
-        <p:cNvGrpSpPr/>
-        <p:nvPr/>
-      </p:nvGrpSpPr>
-      <p:grpSpPr>
-        <a:xfrm>
-          <a:off x="0" y="0"/>
-          <a:ext cx="0" cy="0"/>
-          <a:chOff x="0" y="0"/>
-          <a:chExt cx="0" cy="0"/>
-        </a:xfrm>
-      </p:grpSpPr>
-      <p:pic>
-        <p:nvPicPr>
-          <p:cNvPr id="6" name="Tijdelijke aanduiding voor afbeelding 5" descr="Afbeelding met Menselijk gezicht, persoon, kleding, glimlach&#10;&#10;Automatisch gegenereerde beschrijving">
-            <a:extLst>
-              <a:ext uri="{FF2B5EF4-FFF2-40B4-BE49-F238E27FC236}">
-                <a16:creationId xmlns:a16="http://schemas.microsoft.com/office/drawing/2014/main" id="{119B5D23-7738-E8CD-05BF-5809457BBE96}"/>
-              </a:ext>
-            </a:extLst>
-          </p:cNvPr>
-          <p:cNvPicPr>
-            <a:picLocks noGrp="1" noChangeAspect="1"/>
-          </p:cNvPicPr>
-          <p:nvPr>
-            <p:ph type="pic" sz="quarter" idx="17"/>
-          </p:nvPr>
-        </p:nvPicPr>
-        <p:blipFill>
-          <a:blip r:embed="rId3">
-            <a:extLst>
-              <a:ext uri="{28A0092B-C50C-407E-A947-70E740481C1C}">
-                <a14:useLocalDpi xmlns:a14="http://schemas.microsoft.com/office/drawing/2010/main" val="0"/>
-              </a:ext>
-            </a:extLst>
-          </a:blip>
-          <a:srcRect l="24928" r="24928"/>
-          <a:stretch>
-            <a:fillRect/>
-          </a:stretch>
-        </p:blipFill>
-        <p:spPr/>
-      </p:pic>
-      <p:sp>
-        <p:nvSpPr>
-          <p:cNvPr id="3" name="Tijdelijke aanduiding voor tekst 2">
-            <a:extLst>
-              <a:ext uri="{FF2B5EF4-FFF2-40B4-BE49-F238E27FC236}">
-                <a16:creationId xmlns:a16="http://schemas.microsoft.com/office/drawing/2014/main" id="{B0F89012-78C2-F3C8-4E20-24B1AEFC16BC}"/>
-              </a:ext>
-            </a:extLst>
-          </p:cNvPr>
-          <p:cNvSpPr>
-            <a:spLocks noGrp="1"/>
-          </p:cNvSpPr>
-          <p:nvPr>
-            <p:ph type="body" sz="quarter" idx="15"/>
-          </p:nvPr>
-        </p:nvSpPr>
-        <p:spPr>
-          <a:xfrm>
-            <a:off x="863997" y="852488"/>
-            <a:ext cx="5214369" cy="5132387"/>
-          </a:xfrm>
-        </p:spPr>
-        <p:txBody>
-          <a:bodyPr/>
-          <a:lstStyle/>
-          <a:p>
-            <a:r>
-              <a:rPr lang="nl-NL" dirty="0"/>
-              <a:t>Bart Vries</a:t>
-            </a:r>
-            <a:br>
-              <a:rPr lang="nl-NL" dirty="0"/>
-            </a:br>
-            <a:r>
-              <a:rPr lang="nl-NL" dirty="0"/>
-              <a:t>Lead Software Architect</a:t>
-            </a:r>
-          </a:p>
-          <a:p>
-            <a:endParaRPr lang="nl-NL" dirty="0"/>
-          </a:p>
-          <a:p>
-            <a:r>
-              <a:rPr lang="nl-NL" dirty="0"/>
-              <a:t>Bij AFAS in 1999</a:t>
-            </a:r>
-          </a:p>
-        </p:txBody>
-      </p:sp>
-    </p:spTree>
-    <p:extLst>
-      <p:ext uri="{BB962C8B-B14F-4D97-AF65-F5344CB8AC3E}">
-        <p14:creationId xmlns:p14="http://schemas.microsoft.com/office/powerpoint/2010/main" val="507860871"/>
-      </p:ext>
-    </p:extLst>
-  </p:cSld>
-  <p:clrMapOvr>
-    <a:masterClrMapping/>
-  </p:clrMapOvr>
-</p:sld>
-</file>
-
-<file path=ppt/slides/slide4.xml><?xml version="1.0" encoding="utf-8"?>
 <p:sld xmlns:a="http://schemas.openxmlformats.org/drawingml/2006/main" xmlns:r="http://schemas.openxmlformats.org/officeDocument/2006/relationships" xmlns:p="http://schemas.openxmlformats.org/presentationml/2006/main">
   <p:cSld>
     <p:spTree>
@@ -24234,10 +23974,22 @@
   <p:clrMapOvr>
     <a:masterClrMapping/>
   </p:clrMapOvr>
+  <mc:AlternateContent xmlns:mc="http://schemas.openxmlformats.org/markup-compatibility/2006">
+    <mc:Choice xmlns:p14="http://schemas.microsoft.com/office/powerpoint/2010/main" Requires="p14">
+      <p:transition spd="med" p14:dur="700">
+        <p:fade/>
+      </p:transition>
+    </mc:Choice>
+    <mc:Fallback>
+      <p:transition spd="med">
+        <p:fade/>
+      </p:transition>
+    </mc:Fallback>
+  </mc:AlternateContent>
 </p:sld>
 </file>
 
-<file path=ppt/slides/slide5.xml><?xml version="1.0" encoding="utf-8"?>
+<file path=ppt/slides/slide4.xml><?xml version="1.0" encoding="utf-8"?>
 <p:sld xmlns:a="http://schemas.openxmlformats.org/drawingml/2006/main" xmlns:r="http://schemas.openxmlformats.org/officeDocument/2006/relationships" xmlns:p="http://schemas.openxmlformats.org/presentationml/2006/main">
   <p:cSld>
     <p:spTree>
@@ -24400,7 +24152,7 @@
           <a:p>
             <a:r>
               <a:rPr lang="nl-NL" dirty="0"/>
-              <a:t>Doelen </a:t>
+              <a:t>Demo app: Doelen </a:t>
             </a:r>
             <a:r>
               <a:rPr lang="nl-NL" dirty="0" err="1"/>
@@ -24420,10 +24172,22 @@
   <p:clrMapOvr>
     <a:masterClrMapping/>
   </p:clrMapOvr>
+  <mc:AlternateContent xmlns:mc="http://schemas.openxmlformats.org/markup-compatibility/2006">
+    <mc:Choice xmlns:p14="http://schemas.microsoft.com/office/powerpoint/2010/main" Requires="p14">
+      <p:transition spd="med" p14:dur="700">
+        <p:fade/>
+      </p:transition>
+    </mc:Choice>
+    <mc:Fallback>
+      <p:transition spd="med">
+        <p:fade/>
+      </p:transition>
+    </mc:Fallback>
+  </mc:AlternateContent>
 </p:sld>
 </file>
 
-<file path=ppt/slides/slide6.xml><?xml version="1.0" encoding="utf-8"?>
+<file path=ppt/slides/slide5.xml><?xml version="1.0" encoding="utf-8"?>
 <p:sld xmlns:a="http://schemas.openxmlformats.org/drawingml/2006/main" xmlns:r="http://schemas.openxmlformats.org/officeDocument/2006/relationships" xmlns:p="http://schemas.openxmlformats.org/presentationml/2006/main">
   <p:cSld>
     <p:spTree>
@@ -24491,7 +24255,7 @@
           <a:p>
             <a:r>
               <a:rPr lang="nl-NL" dirty="0"/>
-              <a:t>Framework Model</a:t>
+              <a:t>Demo app: Framework Model</a:t>
             </a:r>
           </a:p>
         </p:txBody>
@@ -24536,10 +24300,22 @@
   <p:clrMapOvr>
     <a:masterClrMapping/>
   </p:clrMapOvr>
+  <mc:AlternateContent xmlns:mc="http://schemas.openxmlformats.org/markup-compatibility/2006">
+    <mc:Choice xmlns:p14="http://schemas.microsoft.com/office/powerpoint/2010/main" Requires="p14">
+      <p:transition spd="med" p14:dur="700">
+        <p:fade/>
+      </p:transition>
+    </mc:Choice>
+    <mc:Fallback>
+      <p:transition spd="med">
+        <p:fade/>
+      </p:transition>
+    </mc:Fallback>
+  </mc:AlternateContent>
 </p:sld>
 </file>
 
-<file path=ppt/slides/slide7.xml><?xml version="1.0" encoding="utf-8"?>
+<file path=ppt/slides/slide6.xml><?xml version="1.0" encoding="utf-8"?>
 <p:sld xmlns:a="http://schemas.openxmlformats.org/drawingml/2006/main" xmlns:r="http://schemas.openxmlformats.org/officeDocument/2006/relationships" xmlns:p="http://schemas.openxmlformats.org/presentationml/2006/main">
   <p:cSld>
     <p:spTree>
@@ -24613,7 +24389,7 @@
           <a:p>
             <a:r>
               <a:rPr lang="nl-NL" dirty="0"/>
-              <a:t>Implementatie Model</a:t>
+              <a:t>Demo app: Implementatie Model</a:t>
             </a:r>
           </a:p>
         </p:txBody>
@@ -24658,10 +24434,22 @@
   <p:clrMapOvr>
     <a:masterClrMapping/>
   </p:clrMapOvr>
+  <mc:AlternateContent xmlns:mc="http://schemas.openxmlformats.org/markup-compatibility/2006">
+    <mc:Choice xmlns:p14="http://schemas.microsoft.com/office/powerpoint/2010/main" Requires="p14">
+      <p:transition spd="med" p14:dur="700">
+        <p:fade/>
+      </p:transition>
+    </mc:Choice>
+    <mc:Fallback>
+      <p:transition spd="med">
+        <p:fade/>
+      </p:transition>
+    </mc:Fallback>
+  </mc:AlternateContent>
 </p:sld>
 </file>
 
-<file path=ppt/slides/slide8.xml><?xml version="1.0" encoding="utf-8"?>
+<file path=ppt/slides/slide7.xml><?xml version="1.0" encoding="utf-8"?>
 <p:sld xmlns:a="http://schemas.openxmlformats.org/drawingml/2006/main" xmlns:r="http://schemas.openxmlformats.org/officeDocument/2006/relationships" xmlns:p="http://schemas.openxmlformats.org/presentationml/2006/main">
   <p:cSld>
     <p:spTree>
@@ -24867,6 +24655,18 @@
   <p:clrMapOvr>
     <a:masterClrMapping/>
   </p:clrMapOvr>
+  <mc:AlternateContent xmlns:mc="http://schemas.openxmlformats.org/markup-compatibility/2006">
+    <mc:Choice xmlns:p14="http://schemas.microsoft.com/office/powerpoint/2010/main" Requires="p14">
+      <p:transition spd="med" p14:dur="700">
+        <p:fade/>
+      </p:transition>
+    </mc:Choice>
+    <mc:Fallback>
+      <p:transition spd="med">
+        <p:fade/>
+      </p:transition>
+    </mc:Fallback>
+  </mc:AlternateContent>
   <p:timing>
     <p:tnLst>
       <p:par>
@@ -24991,7 +24791,7 @@
 </p:sld>
 </file>
 
-<file path=ppt/slides/slide9.xml><?xml version="1.0" encoding="utf-8"?>
+<file path=ppt/slides/slide8.xml><?xml version="1.0" encoding="utf-8"?>
 <p:sld xmlns:a="http://schemas.openxmlformats.org/drawingml/2006/main" xmlns:r="http://schemas.openxmlformats.org/officeDocument/2006/relationships" xmlns:p="http://schemas.openxmlformats.org/presentationml/2006/main">
   <p:cSld>
     <p:spTree>
@@ -25171,6 +24971,226 @@
   <p:clrMapOvr>
     <a:masterClrMapping/>
   </p:clrMapOvr>
+  <mc:AlternateContent xmlns:mc="http://schemas.openxmlformats.org/markup-compatibility/2006">
+    <mc:Choice xmlns:p14="http://schemas.microsoft.com/office/powerpoint/2010/main" Requires="p14">
+      <p:transition spd="med" p14:dur="700">
+        <p:fade/>
+      </p:transition>
+    </mc:Choice>
+    <mc:Fallback>
+      <p:transition spd="med">
+        <p:fade/>
+      </p:transition>
+    </mc:Fallback>
+  </mc:AlternateContent>
+</p:sld>
+</file>
+
+<file path=ppt/slides/slide9.xml><?xml version="1.0" encoding="utf-8"?>
+<p:sld xmlns:a="http://schemas.openxmlformats.org/drawingml/2006/main" xmlns:r="http://schemas.openxmlformats.org/officeDocument/2006/relationships" xmlns:p="http://schemas.openxmlformats.org/presentationml/2006/main">
+  <p:cSld>
+    <p:spTree>
+      <p:nvGrpSpPr>
+        <p:cNvPr id="1" name="">
+          <a:extLst>
+            <a:ext uri="{FF2B5EF4-FFF2-40B4-BE49-F238E27FC236}">
+              <a16:creationId xmlns:a16="http://schemas.microsoft.com/office/drawing/2014/main" id="{9146B6F6-A644-7047-8F8A-38971853DB92}"/>
+            </a:ext>
+          </a:extLst>
+        </p:cNvPr>
+        <p:cNvGrpSpPr/>
+        <p:nvPr/>
+      </p:nvGrpSpPr>
+      <p:grpSpPr>
+        <a:xfrm>
+          <a:off x="0" y="0"/>
+          <a:ext cx="0" cy="0"/>
+          <a:chOff x="0" y="0"/>
+          <a:chExt cx="0" cy="0"/>
+        </a:xfrm>
+      </p:grpSpPr>
+      <p:sp>
+        <p:nvSpPr>
+          <p:cNvPr id="2" name="Tijdelijke aanduiding voor verticale tekst 1">
+            <a:extLst>
+              <a:ext uri="{FF2B5EF4-FFF2-40B4-BE49-F238E27FC236}">
+                <a16:creationId xmlns:a16="http://schemas.microsoft.com/office/drawing/2014/main" id="{03B05F7F-B8F1-E600-F3BE-78B07CA9CA78}"/>
+              </a:ext>
+            </a:extLst>
+          </p:cNvPr>
+          <p:cNvSpPr>
+            <a:spLocks noGrp="1"/>
+          </p:cNvSpPr>
+          <p:nvPr>
+            <p:ph type="body" orient="vert" idx="1"/>
+          </p:nvPr>
+        </p:nvSpPr>
+        <p:spPr/>
+        <p:txBody>
+          <a:bodyPr/>
+          <a:lstStyle/>
+          <a:p>
+            <a:r>
+              <a:rPr lang="nl-NL" dirty="0"/>
+              <a:t>Singletons zijn geregistreerd in de host en dus per host</a:t>
+            </a:r>
+          </a:p>
+          <a:p>
+            <a:pPr lvl="1"/>
+            <a:r>
+              <a:rPr lang="nl-NL" dirty="0"/>
+              <a:t>Meerdere unit tests = meerdere </a:t>
+            </a:r>
+            <a:r>
+              <a:rPr lang="nl-NL" dirty="0" err="1"/>
+              <a:t>hosts</a:t>
+            </a:r>
+            <a:endParaRPr lang="nl-NL" dirty="0"/>
+          </a:p>
+          <a:p>
+            <a:r>
+              <a:rPr lang="nl-NL" dirty="0" err="1"/>
+              <a:t>Constructor</a:t>
+            </a:r>
+            <a:r>
+              <a:rPr lang="nl-NL" dirty="0"/>
+              <a:t> </a:t>
+            </a:r>
+            <a:r>
+              <a:rPr lang="nl-NL" dirty="0" err="1"/>
+              <a:t>dependency</a:t>
+            </a:r>
+            <a:r>
+              <a:rPr lang="nl-NL" dirty="0"/>
+              <a:t> </a:t>
+            </a:r>
+            <a:r>
+              <a:rPr lang="nl-NL" dirty="0" err="1"/>
+              <a:t>injection</a:t>
+            </a:r>
+            <a:endParaRPr lang="nl-NL" dirty="0"/>
+          </a:p>
+          <a:p>
+            <a:pPr lvl="1"/>
+            <a:r>
+              <a:rPr lang="nl-NL" dirty="0"/>
+              <a:t>Extra </a:t>
+            </a:r>
+            <a:r>
+              <a:rPr lang="nl-NL" dirty="0" err="1"/>
+              <a:t>dependency</a:t>
+            </a:r>
+            <a:r>
+              <a:rPr lang="nl-NL" dirty="0"/>
+              <a:t>, dan alleen </a:t>
+            </a:r>
+            <a:r>
+              <a:rPr lang="nl-NL" dirty="0" err="1"/>
+              <a:t>constructor</a:t>
+            </a:r>
+            <a:r>
+              <a:rPr lang="nl-NL" dirty="0"/>
+              <a:t> uitbreiden</a:t>
+            </a:r>
+          </a:p>
+          <a:p>
+            <a:pPr lvl="1"/>
+            <a:r>
+              <a:rPr lang="nl-NL" dirty="0"/>
+              <a:t>Circulaire </a:t>
+            </a:r>
+            <a:r>
+              <a:rPr lang="nl-NL" dirty="0" err="1"/>
+              <a:t>dependency</a:t>
+            </a:r>
+            <a:r>
+              <a:rPr lang="nl-NL" dirty="0"/>
+              <a:t> gedetecteerd en voorkomen</a:t>
+            </a:r>
+          </a:p>
+          <a:p>
+            <a:pPr lvl="1"/>
+            <a:r>
+              <a:rPr lang="nl-NL" dirty="0" err="1"/>
+              <a:t>Cleanup</a:t>
+            </a:r>
+            <a:r>
+              <a:rPr lang="nl-NL" dirty="0"/>
+              <a:t> automatisch gemanaged (</a:t>
+            </a:r>
+            <a:r>
+              <a:rPr lang="nl-NL" dirty="0" err="1"/>
+              <a:t>IDisposable</a:t>
+            </a:r>
+            <a:r>
+              <a:rPr lang="nl-NL" dirty="0"/>
+              <a:t>, </a:t>
+            </a:r>
+            <a:r>
+              <a:rPr lang="nl-NL" dirty="0" err="1"/>
+              <a:t>IAsyncDisposable</a:t>
+            </a:r>
+            <a:r>
+              <a:rPr lang="nl-NL" dirty="0"/>
+              <a:t>)</a:t>
+            </a:r>
+          </a:p>
+        </p:txBody>
+      </p:sp>
+      <p:sp>
+        <p:nvSpPr>
+          <p:cNvPr id="3" name="Titel 2">
+            <a:extLst>
+              <a:ext uri="{FF2B5EF4-FFF2-40B4-BE49-F238E27FC236}">
+                <a16:creationId xmlns:a16="http://schemas.microsoft.com/office/drawing/2014/main" id="{16AC9426-0F5D-F7CA-0059-49A12DC476EA}"/>
+              </a:ext>
+            </a:extLst>
+          </p:cNvPr>
+          <p:cNvSpPr>
+            <a:spLocks noGrp="1"/>
+          </p:cNvSpPr>
+          <p:nvPr>
+            <p:ph type="title"/>
+          </p:nvPr>
+        </p:nvSpPr>
+        <p:spPr/>
+        <p:txBody>
+          <a:bodyPr/>
+          <a:lstStyle/>
+          <a:p>
+            <a:r>
+              <a:rPr lang="nl-NL" dirty="0" err="1"/>
+              <a:t>Core</a:t>
+            </a:r>
+            <a:r>
+              <a:rPr lang="nl-NL" dirty="0"/>
+              <a:t> DI voordelen</a:t>
+            </a:r>
+          </a:p>
+        </p:txBody>
+      </p:sp>
+    </p:spTree>
+    <p:extLst>
+      <p:ext uri="{BB962C8B-B14F-4D97-AF65-F5344CB8AC3E}">
+        <p14:creationId xmlns:p14="http://schemas.microsoft.com/office/powerpoint/2010/main" val="1009806790"/>
+      </p:ext>
+    </p:extLst>
+  </p:cSld>
+  <p:clrMapOvr>
+    <a:masterClrMapping/>
+  </p:clrMapOvr>
+  <mc:AlternateContent xmlns:mc="http://schemas.openxmlformats.org/markup-compatibility/2006">
+    <mc:Choice xmlns:p14="http://schemas.microsoft.com/office/powerpoint/2010/main" Requires="p14">
+      <p:transition spd="med" p14:dur="700">
+        <p:fade/>
+      </p:transition>
+    </mc:Choice>
+    <mc:Fallback>
+      <p:transition spd="med">
+        <p:fade/>
+      </p:transition>
+    </mc:Fallback>
+  </mc:AlternateContent>
 </p:sld>
 </file>
 

--- a/DI.pptx
+++ b/DI.pptx
@@ -1998,7 +1998,7 @@
           <a:p>
             <a:fld id="{69EE0E52-9FA9-4B42-B8AF-6D441E01BAE7}" type="datetimeFigureOut">
               <a:rPr lang="nl-NL"/>
-              <a:t>13-1-2025</a:t>
+              <a:t>16-1-2025</a:t>
             </a:fld>
             <a:endParaRPr lang="nl-NL"/>
           </a:p>
@@ -2163,7 +2163,7 @@
           <a:p>
             <a:fld id="{3077C25E-6688-43F9-8010-6219F97B2F0D}" type="datetimeFigureOut">
               <a:rPr lang="nl-NL"/>
-              <a:t>13-1-2025</a:t>
+              <a:t>16-1-2025</a:t>
             </a:fld>
             <a:endParaRPr lang="nl-NL"/>
           </a:p>
@@ -3067,6 +3067,90 @@
   <p:cSld>
     <p:spTree>
       <p:nvGrpSpPr>
+        <p:cNvPr id="1" name=""/>
+        <p:cNvGrpSpPr/>
+        <p:nvPr/>
+      </p:nvGrpSpPr>
+      <p:grpSpPr>
+        <a:xfrm>
+          <a:off x="0" y="0"/>
+          <a:ext cx="0" cy="0"/>
+          <a:chOff x="0" y="0"/>
+          <a:chExt cx="0" cy="0"/>
+        </a:xfrm>
+      </p:grpSpPr>
+      <p:sp>
+        <p:nvSpPr>
+          <p:cNvPr id="2" name="Tijdelijke aanduiding voor dia-afbeelding 1"/>
+          <p:cNvSpPr>
+            <a:spLocks noGrp="1" noRot="1" noChangeAspect="1"/>
+          </p:cNvSpPr>
+          <p:nvPr>
+            <p:ph type="sldImg"/>
+          </p:nvPr>
+        </p:nvSpPr>
+        <p:spPr/>
+      </p:sp>
+      <p:sp>
+        <p:nvSpPr>
+          <p:cNvPr id="3" name="Tijdelijke aanduiding voor notities 2"/>
+          <p:cNvSpPr>
+            <a:spLocks noGrp="1"/>
+          </p:cNvSpPr>
+          <p:nvPr>
+            <p:ph type="body" idx="1"/>
+          </p:nvPr>
+        </p:nvSpPr>
+        <p:spPr/>
+        <p:txBody>
+          <a:bodyPr/>
+          <a:lstStyle/>
+          <a:p>
+            <a:endParaRPr lang="nl-NL" dirty="0"/>
+          </a:p>
+        </p:txBody>
+      </p:sp>
+      <p:sp>
+        <p:nvSpPr>
+          <p:cNvPr id="4" name="Tijdelijke aanduiding voor dianummer 3"/>
+          <p:cNvSpPr>
+            <a:spLocks noGrp="1"/>
+          </p:cNvSpPr>
+          <p:nvPr>
+            <p:ph type="sldNum" sz="quarter" idx="5"/>
+          </p:nvPr>
+        </p:nvSpPr>
+        <p:spPr/>
+        <p:txBody>
+          <a:bodyPr/>
+          <a:lstStyle/>
+          <a:p>
+            <a:fld id="{36A6CEBA-87D9-4668-ADDB-ADABD8CF91EC}" type="slidenum">
+              <a:rPr lang="nl-NL" smtClean="0"/>
+              <a:t>20</a:t>
+            </a:fld>
+            <a:endParaRPr lang="nl-NL"/>
+          </a:p>
+        </p:txBody>
+      </p:sp>
+    </p:spTree>
+    <p:extLst>
+      <p:ext uri="{BB962C8B-B14F-4D97-AF65-F5344CB8AC3E}">
+        <p14:creationId xmlns:p14="http://schemas.microsoft.com/office/powerpoint/2010/main" val="3900390225"/>
+      </p:ext>
+    </p:extLst>
+  </p:cSld>
+  <p:clrMapOvr>
+    <a:masterClrMapping/>
+  </p:clrMapOvr>
+</p:notes>
+</file>
+
+<file path=ppt/notesSlides/notesSlide16.xml><?xml version="1.0" encoding="utf-8"?>
+<p:notes xmlns:a="http://schemas.openxmlformats.org/drawingml/2006/main" xmlns:r="http://schemas.openxmlformats.org/officeDocument/2006/relationships" xmlns:p="http://schemas.openxmlformats.org/presentationml/2006/main">
+  <p:cSld>
+    <p:spTree>
+      <p:nvGrpSpPr>
         <p:cNvPr id="1" name="">
           <a:extLst>
             <a:ext uri="{FF2B5EF4-FFF2-40B4-BE49-F238E27FC236}">
@@ -3170,7 +3254,7 @@
 </p:notes>
 </file>
 
-<file path=ppt/notesSlides/notesSlide16.xml><?xml version="1.0" encoding="utf-8"?>
+<file path=ppt/notesSlides/notesSlide17.xml><?xml version="1.0" encoding="utf-8"?>
 <p:notes xmlns:a="http://schemas.openxmlformats.org/drawingml/2006/main" xmlns:r="http://schemas.openxmlformats.org/officeDocument/2006/relationships" xmlns:p="http://schemas.openxmlformats.org/presentationml/2006/main">
   <p:cSld>
     <p:spTree>
@@ -3278,7 +3362,7 @@
 </p:notes>
 </file>
 
-<file path=ppt/notesSlides/notesSlide17.xml><?xml version="1.0" encoding="utf-8"?>
+<file path=ppt/notesSlides/notesSlide18.xml><?xml version="1.0" encoding="utf-8"?>
 <p:notes xmlns:a="http://schemas.openxmlformats.org/drawingml/2006/main" xmlns:r="http://schemas.openxmlformats.org/officeDocument/2006/relationships" xmlns:p="http://schemas.openxmlformats.org/presentationml/2006/main">
   <p:cSld>
     <p:spTree>
@@ -3386,7 +3470,7 @@
 </p:notes>
 </file>
 
-<file path=ppt/notesSlides/notesSlide18.xml><?xml version="1.0" encoding="utf-8"?>
+<file path=ppt/notesSlides/notesSlide19.xml><?xml version="1.0" encoding="utf-8"?>
 <p:notes xmlns:a="http://schemas.openxmlformats.org/drawingml/2006/main" xmlns:r="http://schemas.openxmlformats.org/officeDocument/2006/relationships" xmlns:p="http://schemas.openxmlformats.org/presentationml/2006/main">
   <p:cSld>
     <p:spTree>
@@ -3485,114 +3569,6 @@
     <p:extLst>
       <p:ext uri="{BB962C8B-B14F-4D97-AF65-F5344CB8AC3E}">
         <p14:creationId xmlns:p14="http://schemas.microsoft.com/office/powerpoint/2010/main" val="888765944"/>
-      </p:ext>
-    </p:extLst>
-  </p:cSld>
-  <p:clrMapOvr>
-    <a:masterClrMapping/>
-  </p:clrMapOvr>
-</p:notes>
-</file>
-
-<file path=ppt/notesSlides/notesSlide19.xml><?xml version="1.0" encoding="utf-8"?>
-<p:notes xmlns:a="http://schemas.openxmlformats.org/drawingml/2006/main" xmlns:r="http://schemas.openxmlformats.org/officeDocument/2006/relationships" xmlns:p="http://schemas.openxmlformats.org/presentationml/2006/main">
-  <p:cSld>
-    <p:spTree>
-      <p:nvGrpSpPr>
-        <p:cNvPr id="1" name="">
-          <a:extLst>
-            <a:ext uri="{FF2B5EF4-FFF2-40B4-BE49-F238E27FC236}">
-              <a16:creationId xmlns:a16="http://schemas.microsoft.com/office/drawing/2014/main" id="{736F6A46-970B-C4A6-AB7C-EB041A23CA74}"/>
-            </a:ext>
-          </a:extLst>
-        </p:cNvPr>
-        <p:cNvGrpSpPr/>
-        <p:nvPr/>
-      </p:nvGrpSpPr>
-      <p:grpSpPr>
-        <a:xfrm>
-          <a:off x="0" y="0"/>
-          <a:ext cx="0" cy="0"/>
-          <a:chOff x="0" y="0"/>
-          <a:chExt cx="0" cy="0"/>
-        </a:xfrm>
-      </p:grpSpPr>
-      <p:sp>
-        <p:nvSpPr>
-          <p:cNvPr id="2" name="Tijdelijke aanduiding voor dia-afbeelding 1">
-            <a:extLst>
-              <a:ext uri="{FF2B5EF4-FFF2-40B4-BE49-F238E27FC236}">
-                <a16:creationId xmlns:a16="http://schemas.microsoft.com/office/drawing/2014/main" id="{507695EA-019F-D2B3-8C0B-E2F62084B92C}"/>
-              </a:ext>
-            </a:extLst>
-          </p:cNvPr>
-          <p:cNvSpPr>
-            <a:spLocks noGrp="1" noRot="1" noChangeAspect="1"/>
-          </p:cNvSpPr>
-          <p:nvPr>
-            <p:ph type="sldImg"/>
-          </p:nvPr>
-        </p:nvSpPr>
-        <p:spPr/>
-      </p:sp>
-      <p:sp>
-        <p:nvSpPr>
-          <p:cNvPr id="3" name="Tijdelijke aanduiding voor notities 2">
-            <a:extLst>
-              <a:ext uri="{FF2B5EF4-FFF2-40B4-BE49-F238E27FC236}">
-                <a16:creationId xmlns:a16="http://schemas.microsoft.com/office/drawing/2014/main" id="{E3F053B3-8EA9-9917-EC75-DDC31EB74D42}"/>
-              </a:ext>
-            </a:extLst>
-          </p:cNvPr>
-          <p:cNvSpPr>
-            <a:spLocks noGrp="1"/>
-          </p:cNvSpPr>
-          <p:nvPr>
-            <p:ph type="body" idx="1"/>
-          </p:nvPr>
-        </p:nvSpPr>
-        <p:spPr/>
-        <p:txBody>
-          <a:bodyPr/>
-          <a:lstStyle/>
-          <a:p>
-            <a:endParaRPr lang="nl-NL" dirty="0"/>
-          </a:p>
-        </p:txBody>
-      </p:sp>
-      <p:sp>
-        <p:nvSpPr>
-          <p:cNvPr id="4" name="Tijdelijke aanduiding voor dianummer 3">
-            <a:extLst>
-              <a:ext uri="{FF2B5EF4-FFF2-40B4-BE49-F238E27FC236}">
-                <a16:creationId xmlns:a16="http://schemas.microsoft.com/office/drawing/2014/main" id="{33A1DE78-9BD1-3711-A4D0-395A98AA2613}"/>
-              </a:ext>
-            </a:extLst>
-          </p:cNvPr>
-          <p:cNvSpPr>
-            <a:spLocks noGrp="1"/>
-          </p:cNvSpPr>
-          <p:nvPr>
-            <p:ph type="sldNum" sz="quarter" idx="5"/>
-          </p:nvPr>
-        </p:nvSpPr>
-        <p:spPr/>
-        <p:txBody>
-          <a:bodyPr/>
-          <a:lstStyle/>
-          <a:p>
-            <a:fld id="{36A6CEBA-87D9-4668-ADDB-ADABD8CF91EC}" type="slidenum">
-              <a:rPr lang="nl-NL" smtClean="0"/>
-              <a:t>25</a:t>
-            </a:fld>
-            <a:endParaRPr lang="nl-NL"/>
-          </a:p>
-        </p:txBody>
-      </p:sp>
-    </p:spTree>
-    <p:extLst>
-      <p:ext uri="{BB962C8B-B14F-4D97-AF65-F5344CB8AC3E}">
-        <p14:creationId xmlns:p14="http://schemas.microsoft.com/office/powerpoint/2010/main" val="405407026"/>
       </p:ext>
     </p:extLst>
   </p:cSld>
@@ -3677,6 +3653,198 @@
     <p:extLst>
       <p:ext uri="{BB962C8B-B14F-4D97-AF65-F5344CB8AC3E}">
         <p14:creationId xmlns:p14="http://schemas.microsoft.com/office/powerpoint/2010/main" val="1950794727"/>
+      </p:ext>
+    </p:extLst>
+  </p:cSld>
+  <p:clrMapOvr>
+    <a:masterClrMapping/>
+  </p:clrMapOvr>
+</p:notes>
+</file>
+
+<file path=ppt/notesSlides/notesSlide20.xml><?xml version="1.0" encoding="utf-8"?>
+<p:notes xmlns:a="http://schemas.openxmlformats.org/drawingml/2006/main" xmlns:r="http://schemas.openxmlformats.org/officeDocument/2006/relationships" xmlns:p="http://schemas.openxmlformats.org/presentationml/2006/main">
+  <p:cSld>
+    <p:spTree>
+      <p:nvGrpSpPr>
+        <p:cNvPr id="1" name="">
+          <a:extLst>
+            <a:ext uri="{FF2B5EF4-FFF2-40B4-BE49-F238E27FC236}">
+              <a16:creationId xmlns:a16="http://schemas.microsoft.com/office/drawing/2014/main" id="{736F6A46-970B-C4A6-AB7C-EB041A23CA74}"/>
+            </a:ext>
+          </a:extLst>
+        </p:cNvPr>
+        <p:cNvGrpSpPr/>
+        <p:nvPr/>
+      </p:nvGrpSpPr>
+      <p:grpSpPr>
+        <a:xfrm>
+          <a:off x="0" y="0"/>
+          <a:ext cx="0" cy="0"/>
+          <a:chOff x="0" y="0"/>
+          <a:chExt cx="0" cy="0"/>
+        </a:xfrm>
+      </p:grpSpPr>
+      <p:sp>
+        <p:nvSpPr>
+          <p:cNvPr id="2" name="Tijdelijke aanduiding voor dia-afbeelding 1">
+            <a:extLst>
+              <a:ext uri="{FF2B5EF4-FFF2-40B4-BE49-F238E27FC236}">
+                <a16:creationId xmlns:a16="http://schemas.microsoft.com/office/drawing/2014/main" id="{507695EA-019F-D2B3-8C0B-E2F62084B92C}"/>
+              </a:ext>
+            </a:extLst>
+          </p:cNvPr>
+          <p:cNvSpPr>
+            <a:spLocks noGrp="1" noRot="1" noChangeAspect="1"/>
+          </p:cNvSpPr>
+          <p:nvPr>
+            <p:ph type="sldImg"/>
+          </p:nvPr>
+        </p:nvSpPr>
+        <p:spPr/>
+      </p:sp>
+      <p:sp>
+        <p:nvSpPr>
+          <p:cNvPr id="3" name="Tijdelijke aanduiding voor notities 2">
+            <a:extLst>
+              <a:ext uri="{FF2B5EF4-FFF2-40B4-BE49-F238E27FC236}">
+                <a16:creationId xmlns:a16="http://schemas.microsoft.com/office/drawing/2014/main" id="{E3F053B3-8EA9-9917-EC75-DDC31EB74D42}"/>
+              </a:ext>
+            </a:extLst>
+          </p:cNvPr>
+          <p:cNvSpPr>
+            <a:spLocks noGrp="1"/>
+          </p:cNvSpPr>
+          <p:nvPr>
+            <p:ph type="body" idx="1"/>
+          </p:nvPr>
+        </p:nvSpPr>
+        <p:spPr/>
+        <p:txBody>
+          <a:bodyPr/>
+          <a:lstStyle/>
+          <a:p>
+            <a:endParaRPr lang="nl-NL" dirty="0"/>
+          </a:p>
+        </p:txBody>
+      </p:sp>
+      <p:sp>
+        <p:nvSpPr>
+          <p:cNvPr id="4" name="Tijdelijke aanduiding voor dianummer 3">
+            <a:extLst>
+              <a:ext uri="{FF2B5EF4-FFF2-40B4-BE49-F238E27FC236}">
+                <a16:creationId xmlns:a16="http://schemas.microsoft.com/office/drawing/2014/main" id="{33A1DE78-9BD1-3711-A4D0-395A98AA2613}"/>
+              </a:ext>
+            </a:extLst>
+          </p:cNvPr>
+          <p:cNvSpPr>
+            <a:spLocks noGrp="1"/>
+          </p:cNvSpPr>
+          <p:nvPr>
+            <p:ph type="sldNum" sz="quarter" idx="5"/>
+          </p:nvPr>
+        </p:nvSpPr>
+        <p:spPr/>
+        <p:txBody>
+          <a:bodyPr/>
+          <a:lstStyle/>
+          <a:p>
+            <a:fld id="{36A6CEBA-87D9-4668-ADDB-ADABD8CF91EC}" type="slidenum">
+              <a:rPr lang="nl-NL" smtClean="0"/>
+              <a:t>25</a:t>
+            </a:fld>
+            <a:endParaRPr lang="nl-NL"/>
+          </a:p>
+        </p:txBody>
+      </p:sp>
+    </p:spTree>
+    <p:extLst>
+      <p:ext uri="{BB962C8B-B14F-4D97-AF65-F5344CB8AC3E}">
+        <p14:creationId xmlns:p14="http://schemas.microsoft.com/office/powerpoint/2010/main" val="405407026"/>
+      </p:ext>
+    </p:extLst>
+  </p:cSld>
+  <p:clrMapOvr>
+    <a:masterClrMapping/>
+  </p:clrMapOvr>
+</p:notes>
+</file>
+
+<file path=ppt/notesSlides/notesSlide21.xml><?xml version="1.0" encoding="utf-8"?>
+<p:notes xmlns:a="http://schemas.openxmlformats.org/drawingml/2006/main" xmlns:r="http://schemas.openxmlformats.org/officeDocument/2006/relationships" xmlns:p="http://schemas.openxmlformats.org/presentationml/2006/main">
+  <p:cSld>
+    <p:spTree>
+      <p:nvGrpSpPr>
+        <p:cNvPr id="1" name=""/>
+        <p:cNvGrpSpPr/>
+        <p:nvPr/>
+      </p:nvGrpSpPr>
+      <p:grpSpPr>
+        <a:xfrm>
+          <a:off x="0" y="0"/>
+          <a:ext cx="0" cy="0"/>
+          <a:chOff x="0" y="0"/>
+          <a:chExt cx="0" cy="0"/>
+        </a:xfrm>
+      </p:grpSpPr>
+      <p:sp>
+        <p:nvSpPr>
+          <p:cNvPr id="2" name="Tijdelijke aanduiding voor dia-afbeelding 1"/>
+          <p:cNvSpPr>
+            <a:spLocks noGrp="1" noRot="1" noChangeAspect="1"/>
+          </p:cNvSpPr>
+          <p:nvPr>
+            <p:ph type="sldImg"/>
+          </p:nvPr>
+        </p:nvSpPr>
+        <p:spPr/>
+      </p:sp>
+      <p:sp>
+        <p:nvSpPr>
+          <p:cNvPr id="3" name="Tijdelijke aanduiding voor notities 2"/>
+          <p:cNvSpPr>
+            <a:spLocks noGrp="1"/>
+          </p:cNvSpPr>
+          <p:nvPr>
+            <p:ph type="body" idx="1"/>
+          </p:nvPr>
+        </p:nvSpPr>
+        <p:spPr/>
+        <p:txBody>
+          <a:bodyPr/>
+          <a:lstStyle/>
+          <a:p>
+            <a:endParaRPr lang="nl-NL" dirty="0"/>
+          </a:p>
+        </p:txBody>
+      </p:sp>
+      <p:sp>
+        <p:nvSpPr>
+          <p:cNvPr id="4" name="Tijdelijke aanduiding voor dianummer 3"/>
+          <p:cNvSpPr>
+            <a:spLocks noGrp="1"/>
+          </p:cNvSpPr>
+          <p:nvPr>
+            <p:ph type="sldNum" sz="quarter" idx="5"/>
+          </p:nvPr>
+        </p:nvSpPr>
+        <p:spPr/>
+        <p:txBody>
+          <a:bodyPr/>
+          <a:lstStyle/>
+          <a:p>
+            <a:fld id="{36A6CEBA-87D9-4668-ADDB-ADABD8CF91EC}" type="slidenum">
+              <a:rPr lang="nl-NL" smtClean="0"/>
+              <a:t>26</a:t>
+            </a:fld>
+            <a:endParaRPr lang="nl-NL"/>
+          </a:p>
+        </p:txBody>
+      </p:sp>
+    </p:spTree>
+    <p:extLst>
+      <p:ext uri="{BB962C8B-B14F-4D97-AF65-F5344CB8AC3E}">
+        <p14:creationId xmlns:p14="http://schemas.microsoft.com/office/powerpoint/2010/main" val="1078676800"/>
       </p:ext>
     </p:extLst>
   </p:cSld>
@@ -4233,6 +4401,12 @@
             <a:r>
               <a:rPr lang="nl-NL" dirty="0"/>
               <a:t>Essentieel is het om te documenteren of een service parallel safe is (of moet zijn bij een abstract).</a:t>
+            </a:r>
+          </a:p>
+          <a:p>
+            <a:r>
+              <a:rPr lang="nl-NL" dirty="0"/>
+              <a:t>Kan gevalideerd worden: https://learn.microsoft.com/en-us/aspnet/core/fundamentals/host/web-host?view=aspnetcore-9.0#scope-validation</a:t>
             </a:r>
           </a:p>
         </p:txBody>
@@ -16359,13 +16533,13 @@
   <p:clrMapOvr>
     <a:masterClrMapping/>
   </p:clrMapOvr>
-  <mc:AlternateContent xmlns:mc="http://schemas.openxmlformats.org/markup-compatibility/2006">
-    <mc:Choice xmlns:p14="http://schemas.microsoft.com/office/powerpoint/2010/main" Requires="p14">
+  <mc:AlternateContent xmlns:mc="http://schemas.openxmlformats.org/markup-compatibility/2006" xmlns:p14="http://schemas.microsoft.com/office/powerpoint/2010/main">
+    <mc:Choice Requires="p14">
       <p:transition spd="med" p14:dur="700">
         <p:fade/>
       </p:transition>
     </mc:Choice>
-    <mc:Fallback>
+    <mc:Fallback xmlns="">
       <p:transition spd="med">
         <p:fade/>
       </p:transition>
@@ -16824,13 +16998,13 @@
   <p:clrMapOvr>
     <a:masterClrMapping/>
   </p:clrMapOvr>
-  <mc:AlternateContent xmlns:mc="http://schemas.openxmlformats.org/markup-compatibility/2006">
-    <mc:Choice xmlns:p14="http://schemas.microsoft.com/office/powerpoint/2010/main" Requires="p14">
+  <mc:AlternateContent xmlns:mc="http://schemas.openxmlformats.org/markup-compatibility/2006" xmlns:p14="http://schemas.microsoft.com/office/powerpoint/2010/main">
+    <mc:Choice Requires="p14">
       <p:transition spd="med" p14:dur="700">
         <p:fade/>
       </p:transition>
     </mc:Choice>
-    <mc:Fallback>
+    <mc:Fallback xmlns="">
       <p:transition spd="med">
         <p:fade/>
       </p:transition>
@@ -17431,13 +17605,13 @@
   <p:clrMapOvr>
     <a:masterClrMapping/>
   </p:clrMapOvr>
-  <mc:AlternateContent xmlns:mc="http://schemas.openxmlformats.org/markup-compatibility/2006">
-    <mc:Choice xmlns:p14="http://schemas.microsoft.com/office/powerpoint/2010/main" Requires="p14">
+  <mc:AlternateContent xmlns:mc="http://schemas.openxmlformats.org/markup-compatibility/2006" xmlns:p14="http://schemas.microsoft.com/office/powerpoint/2010/main">
+    <mc:Choice Requires="p14">
       <p:transition spd="med" p14:dur="700">
         <p:fade/>
       </p:transition>
     </mc:Choice>
-    <mc:Fallback>
+    <mc:Fallback xmlns="">
       <p:transition spd="med">
         <p:fade/>
       </p:transition>
@@ -18120,13 +18294,13 @@
   <p:clrMapOvr>
     <a:masterClrMapping/>
   </p:clrMapOvr>
-  <mc:AlternateContent xmlns:mc="http://schemas.openxmlformats.org/markup-compatibility/2006">
-    <mc:Choice xmlns:p14="http://schemas.microsoft.com/office/powerpoint/2010/main" Requires="p14">
+  <mc:AlternateContent xmlns:mc="http://schemas.openxmlformats.org/markup-compatibility/2006" xmlns:p14="http://schemas.microsoft.com/office/powerpoint/2010/main">
+    <mc:Choice Requires="p14">
       <p:transition spd="med" p14:dur="700">
         <p:fade/>
       </p:transition>
     </mc:Choice>
-    <mc:Fallback>
+    <mc:Fallback xmlns="">
       <p:transition spd="med">
         <p:fade/>
       </p:transition>
@@ -18274,13 +18448,13 @@
   <p:clrMapOvr>
     <a:masterClrMapping/>
   </p:clrMapOvr>
-  <mc:AlternateContent xmlns:mc="http://schemas.openxmlformats.org/markup-compatibility/2006">
-    <mc:Choice xmlns:p14="http://schemas.microsoft.com/office/powerpoint/2010/main" Requires="p14">
+  <mc:AlternateContent xmlns:mc="http://schemas.openxmlformats.org/markup-compatibility/2006" xmlns:p14="http://schemas.microsoft.com/office/powerpoint/2010/main">
+    <mc:Choice Requires="p14">
       <p:transition spd="med" p14:dur="700">
         <p:fade/>
       </p:transition>
     </mc:Choice>
-    <mc:Fallback>
+    <mc:Fallback xmlns="">
       <p:transition spd="med">
         <p:fade/>
       </p:transition>
@@ -18963,13 +19137,13 @@
   <p:clrMapOvr>
     <a:masterClrMapping/>
   </p:clrMapOvr>
-  <mc:AlternateContent xmlns:mc="http://schemas.openxmlformats.org/markup-compatibility/2006">
-    <mc:Choice xmlns:p14="http://schemas.microsoft.com/office/powerpoint/2010/main" Requires="p14">
+  <mc:AlternateContent xmlns:mc="http://schemas.openxmlformats.org/markup-compatibility/2006" xmlns:p14="http://schemas.microsoft.com/office/powerpoint/2010/main">
+    <mc:Choice Requires="p14">
       <p:transition spd="med" p14:dur="700">
         <p:fade/>
       </p:transition>
     </mc:Choice>
-    <mc:Fallback>
+    <mc:Fallback xmlns="">
       <p:transition spd="med">
         <p:fade/>
       </p:transition>
@@ -19605,13 +19779,13 @@
   <p:clrMapOvr>
     <a:masterClrMapping/>
   </p:clrMapOvr>
-  <mc:AlternateContent xmlns:mc="http://schemas.openxmlformats.org/markup-compatibility/2006">
-    <mc:Choice xmlns:p14="http://schemas.microsoft.com/office/powerpoint/2010/main" Requires="p14">
+  <mc:AlternateContent xmlns:mc="http://schemas.openxmlformats.org/markup-compatibility/2006" xmlns:p14="http://schemas.microsoft.com/office/powerpoint/2010/main">
+    <mc:Choice Requires="p14">
       <p:transition spd="med" p14:dur="700">
         <p:fade/>
       </p:transition>
     </mc:Choice>
-    <mc:Fallback>
+    <mc:Fallback xmlns="">
       <p:transition spd="med">
         <p:fade/>
       </p:transition>
@@ -19893,13 +20067,13 @@
   <p:clrMapOvr>
     <a:masterClrMapping/>
   </p:clrMapOvr>
-  <mc:AlternateContent xmlns:mc="http://schemas.openxmlformats.org/markup-compatibility/2006">
-    <mc:Choice xmlns:p14="http://schemas.microsoft.com/office/powerpoint/2010/main" Requires="p14">
+  <mc:AlternateContent xmlns:mc="http://schemas.openxmlformats.org/markup-compatibility/2006" xmlns:p14="http://schemas.microsoft.com/office/powerpoint/2010/main">
+    <mc:Choice Requires="p14">
       <p:transition spd="med" p14:dur="700">
         <p:fade/>
       </p:transition>
     </mc:Choice>
-    <mc:Fallback>
+    <mc:Fallback xmlns="">
       <p:transition spd="med">
         <p:fade/>
       </p:transition>
@@ -20104,13 +20278,13 @@
   <p:clrMapOvr>
     <a:masterClrMapping/>
   </p:clrMapOvr>
-  <mc:AlternateContent xmlns:mc="http://schemas.openxmlformats.org/markup-compatibility/2006">
-    <mc:Choice xmlns:p14="http://schemas.microsoft.com/office/powerpoint/2010/main" Requires="p14">
+  <mc:AlternateContent xmlns:mc="http://schemas.openxmlformats.org/markup-compatibility/2006" xmlns:p14="http://schemas.microsoft.com/office/powerpoint/2010/main">
+    <mc:Choice Requires="p14">
       <p:transition spd="med" p14:dur="700">
         <p:fade/>
       </p:transition>
     </mc:Choice>
-    <mc:Fallback>
+    <mc:Fallback xmlns="">
       <p:transition spd="med">
         <p:fade/>
       </p:transition>
@@ -20693,13 +20867,13 @@
   <p:clrMapOvr>
     <a:masterClrMapping/>
   </p:clrMapOvr>
-  <mc:AlternateContent xmlns:mc="http://schemas.openxmlformats.org/markup-compatibility/2006">
-    <mc:Choice xmlns:p14="http://schemas.microsoft.com/office/powerpoint/2010/main" Requires="p14">
+  <mc:AlternateContent xmlns:mc="http://schemas.openxmlformats.org/markup-compatibility/2006" xmlns:p14="http://schemas.microsoft.com/office/powerpoint/2010/main">
+    <mc:Choice Requires="p14">
       <p:transition spd="med" p14:dur="700">
         <p:fade/>
       </p:transition>
     </mc:Choice>
-    <mc:Fallback>
+    <mc:Fallback xmlns="">
       <p:transition spd="med">
         <p:fade/>
       </p:transition>
@@ -21335,13 +21509,13 @@
   <p:clrMapOvr>
     <a:masterClrMapping/>
   </p:clrMapOvr>
-  <mc:AlternateContent xmlns:mc="http://schemas.openxmlformats.org/markup-compatibility/2006">
-    <mc:Choice xmlns:p14="http://schemas.microsoft.com/office/powerpoint/2010/main" Requires="p14">
+  <mc:AlternateContent xmlns:mc="http://schemas.openxmlformats.org/markup-compatibility/2006" xmlns:p14="http://schemas.microsoft.com/office/powerpoint/2010/main">
+    <mc:Choice Requires="p14">
       <p:transition spd="med" p14:dur="700">
         <p:fade/>
       </p:transition>
     </mc:Choice>
-    <mc:Fallback>
+    <mc:Fallback xmlns="">
       <p:transition spd="med">
         <p:fade/>
       </p:transition>
@@ -21457,13 +21631,13 @@
   <p:clrMapOvr>
     <a:masterClrMapping/>
   </p:clrMapOvr>
-  <mc:AlternateContent xmlns:mc="http://schemas.openxmlformats.org/markup-compatibility/2006">
-    <mc:Choice xmlns:p14="http://schemas.microsoft.com/office/powerpoint/2010/main" Requires="p14">
+  <mc:AlternateContent xmlns:mc="http://schemas.openxmlformats.org/markup-compatibility/2006" xmlns:p14="http://schemas.microsoft.com/office/powerpoint/2010/main">
+    <mc:Choice Requires="p14">
       <p:transition spd="med" p14:dur="700">
         <p:fade/>
       </p:transition>
     </mc:Choice>
-    <mc:Fallback>
+    <mc:Fallback xmlns="">
       <p:transition spd="med">
         <p:fade/>
       </p:transition>
@@ -21625,7 +21799,7 @@
           <p:nvPr/>
         </p:nvPicPr>
         <p:blipFill>
-          <a:blip r:embed="rId2">
+          <a:blip r:embed="rId3">
             <a:extLst>
               <a:ext uri="{28A0092B-C50C-407E-A947-70E740481C1C}">
                 <a14:useLocalDpi xmlns:a14="http://schemas.microsoft.com/office/drawing/2010/main" val="0"/>
@@ -21667,13 +21841,13 @@
   <p:clrMapOvr>
     <a:masterClrMapping/>
   </p:clrMapOvr>
-  <mc:AlternateContent xmlns:mc="http://schemas.openxmlformats.org/markup-compatibility/2006">
-    <mc:Choice xmlns:p14="http://schemas.microsoft.com/office/powerpoint/2010/main" Requires="p14">
+  <mc:AlternateContent xmlns:mc="http://schemas.openxmlformats.org/markup-compatibility/2006" xmlns:p14="http://schemas.microsoft.com/office/powerpoint/2010/main">
+    <mc:Choice Requires="p14">
       <p:transition spd="med" p14:dur="700">
         <p:fade/>
       </p:transition>
     </mc:Choice>
-    <mc:Fallback>
+    <mc:Fallback xmlns="">
       <p:transition spd="med">
         <p:fade/>
       </p:transition>
@@ -21825,13 +21999,13 @@
   <p:clrMapOvr>
     <a:masterClrMapping/>
   </p:clrMapOvr>
-  <mc:AlternateContent xmlns:mc="http://schemas.openxmlformats.org/markup-compatibility/2006">
-    <mc:Choice xmlns:p14="http://schemas.microsoft.com/office/powerpoint/2010/main" Requires="p14">
+  <mc:AlternateContent xmlns:mc="http://schemas.openxmlformats.org/markup-compatibility/2006" xmlns:p14="http://schemas.microsoft.com/office/powerpoint/2010/main">
+    <mc:Choice Requires="p14">
       <p:transition spd="med" p14:dur="700">
         <p:fade/>
       </p:transition>
     </mc:Choice>
-    <mc:Fallback>
+    <mc:Fallback xmlns="">
       <p:transition spd="med">
         <p:fade/>
       </p:transition>
@@ -22467,13 +22641,13 @@
   <p:clrMapOvr>
     <a:masterClrMapping/>
   </p:clrMapOvr>
-  <mc:AlternateContent xmlns:mc="http://schemas.openxmlformats.org/markup-compatibility/2006">
-    <mc:Choice xmlns:p14="http://schemas.microsoft.com/office/powerpoint/2010/main" Requires="p14">
+  <mc:AlternateContent xmlns:mc="http://schemas.openxmlformats.org/markup-compatibility/2006" xmlns:p14="http://schemas.microsoft.com/office/powerpoint/2010/main">
+    <mc:Choice Requires="p14">
       <p:transition spd="med" p14:dur="700">
         <p:fade/>
       </p:transition>
     </mc:Choice>
-    <mc:Fallback>
+    <mc:Fallback xmlns="">
       <p:transition spd="med">
         <p:fade/>
       </p:transition>
@@ -22722,13 +22896,13 @@
   <p:clrMapOvr>
     <a:masterClrMapping/>
   </p:clrMapOvr>
-  <mc:AlternateContent xmlns:mc="http://schemas.openxmlformats.org/markup-compatibility/2006">
-    <mc:Choice xmlns:p14="http://schemas.microsoft.com/office/powerpoint/2010/main" Requires="p14">
+  <mc:AlternateContent xmlns:mc="http://schemas.openxmlformats.org/markup-compatibility/2006" xmlns:p14="http://schemas.microsoft.com/office/powerpoint/2010/main">
+    <mc:Choice Requires="p14">
       <p:transition spd="med" p14:dur="700">
         <p:fade/>
       </p:transition>
     </mc:Choice>
-    <mc:Fallback>
+    <mc:Fallback xmlns="">
       <p:transition spd="med">
         <p:fade/>
       </p:transition>
@@ -22925,13 +23099,13 @@
   <p:clrMapOvr>
     <a:masterClrMapping/>
   </p:clrMapOvr>
-  <mc:AlternateContent xmlns:mc="http://schemas.openxmlformats.org/markup-compatibility/2006">
-    <mc:Choice xmlns:p14="http://schemas.microsoft.com/office/powerpoint/2010/main" Requires="p14">
+  <mc:AlternateContent xmlns:mc="http://schemas.openxmlformats.org/markup-compatibility/2006" xmlns:p14="http://schemas.microsoft.com/office/powerpoint/2010/main">
+    <mc:Choice Requires="p14">
       <p:transition spd="med" p14:dur="700">
         <p:fade/>
       </p:transition>
     </mc:Choice>
-    <mc:Fallback>
+    <mc:Fallback xmlns="">
       <p:transition spd="med">
         <p:fade/>
       </p:transition>
@@ -23098,13 +23272,13 @@
   <p:clrMapOvr>
     <a:masterClrMapping/>
   </p:clrMapOvr>
-  <mc:AlternateContent xmlns:mc="http://schemas.openxmlformats.org/markup-compatibility/2006">
-    <mc:Choice xmlns:p14="http://schemas.microsoft.com/office/powerpoint/2010/main" Requires="p14">
+  <mc:AlternateContent xmlns:mc="http://schemas.openxmlformats.org/markup-compatibility/2006" xmlns:p14="http://schemas.microsoft.com/office/powerpoint/2010/main">
+    <mc:Choice Requires="p14">
       <p:transition spd="med" p14:dur="700">
         <p:fade/>
       </p:transition>
     </mc:Choice>
-    <mc:Fallback>
+    <mc:Fallback xmlns="">
       <p:transition spd="med">
         <p:fade/>
       </p:transition>
@@ -23147,7 +23321,7 @@
           </p:nvPr>
         </p:nvPicPr>
         <p:blipFill>
-          <a:blip r:embed="rId2">
+          <a:blip r:embed="rId3">
             <a:extLst>
               <a:ext uri="{28A0092B-C50C-407E-A947-70E740481C1C}">
                 <a14:useLocalDpi xmlns:a14="http://schemas.microsoft.com/office/drawing/2010/main" val="0"/>
@@ -23184,7 +23358,7 @@
           <a:p>
             <a:r>
               <a:rPr lang="nl-NL" dirty="0"/>
-              <a:t>https://github.com/desdesdes/CoreDiDemo</a:t>
+              <a:t>https://github.com/desdesdes/effectief-coredi</a:t>
             </a:r>
           </a:p>
         </p:txBody>
@@ -23199,13 +23373,13 @@
   <p:clrMapOvr>
     <a:masterClrMapping/>
   </p:clrMapOvr>
-  <mc:AlternateContent xmlns:mc="http://schemas.openxmlformats.org/markup-compatibility/2006">
-    <mc:Choice xmlns:p14="http://schemas.microsoft.com/office/powerpoint/2010/main" Requires="p14">
+  <mc:AlternateContent xmlns:mc="http://schemas.openxmlformats.org/markup-compatibility/2006" xmlns:p14="http://schemas.microsoft.com/office/powerpoint/2010/main">
+    <mc:Choice Requires="p14">
       <p:transition spd="med" p14:dur="700">
         <p:fade/>
       </p:transition>
     </mc:Choice>
-    <mc:Fallback>
+    <mc:Fallback xmlns="">
       <p:transition spd="med">
         <p:fade/>
       </p:transition>
@@ -23332,13 +23506,13 @@
   <p:clrMapOvr>
     <a:masterClrMapping/>
   </p:clrMapOvr>
-  <mc:AlternateContent xmlns:mc="http://schemas.openxmlformats.org/markup-compatibility/2006">
-    <mc:Choice xmlns:p14="http://schemas.microsoft.com/office/powerpoint/2010/main" Requires="p14">
+  <mc:AlternateContent xmlns:mc="http://schemas.openxmlformats.org/markup-compatibility/2006" xmlns:p14="http://schemas.microsoft.com/office/powerpoint/2010/main">
+    <mc:Choice Requires="p14">
       <p:transition spd="med" p14:dur="700">
         <p:fade/>
       </p:transition>
     </mc:Choice>
-    <mc:Fallback>
+    <mc:Fallback xmlns="">
       <p:transition spd="med">
         <p:fade/>
       </p:transition>
@@ -23974,13 +24148,13 @@
   <p:clrMapOvr>
     <a:masterClrMapping/>
   </p:clrMapOvr>
-  <mc:AlternateContent xmlns:mc="http://schemas.openxmlformats.org/markup-compatibility/2006">
-    <mc:Choice xmlns:p14="http://schemas.microsoft.com/office/powerpoint/2010/main" Requires="p14">
+  <mc:AlternateContent xmlns:mc="http://schemas.openxmlformats.org/markup-compatibility/2006" xmlns:p14="http://schemas.microsoft.com/office/powerpoint/2010/main">
+    <mc:Choice Requires="p14">
       <p:transition spd="med" p14:dur="700">
         <p:fade/>
       </p:transition>
     </mc:Choice>
-    <mc:Fallback>
+    <mc:Fallback xmlns="">
       <p:transition spd="med">
         <p:fade/>
       </p:transition>
@@ -24172,13 +24346,13 @@
   <p:clrMapOvr>
     <a:masterClrMapping/>
   </p:clrMapOvr>
-  <mc:AlternateContent xmlns:mc="http://schemas.openxmlformats.org/markup-compatibility/2006">
-    <mc:Choice xmlns:p14="http://schemas.microsoft.com/office/powerpoint/2010/main" Requires="p14">
+  <mc:AlternateContent xmlns:mc="http://schemas.openxmlformats.org/markup-compatibility/2006" xmlns:p14="http://schemas.microsoft.com/office/powerpoint/2010/main">
+    <mc:Choice Requires="p14">
       <p:transition spd="med" p14:dur="700">
         <p:fade/>
       </p:transition>
     </mc:Choice>
-    <mc:Fallback>
+    <mc:Fallback xmlns="">
       <p:transition spd="med">
         <p:fade/>
       </p:transition>
@@ -24300,13 +24474,13 @@
   <p:clrMapOvr>
     <a:masterClrMapping/>
   </p:clrMapOvr>
-  <mc:AlternateContent xmlns:mc="http://schemas.openxmlformats.org/markup-compatibility/2006">
-    <mc:Choice xmlns:p14="http://schemas.microsoft.com/office/powerpoint/2010/main" Requires="p14">
+  <mc:AlternateContent xmlns:mc="http://schemas.openxmlformats.org/markup-compatibility/2006" xmlns:p14="http://schemas.microsoft.com/office/powerpoint/2010/main">
+    <mc:Choice Requires="p14">
       <p:transition spd="med" p14:dur="700">
         <p:fade/>
       </p:transition>
     </mc:Choice>
-    <mc:Fallback>
+    <mc:Fallback xmlns="">
       <p:transition spd="med">
         <p:fade/>
       </p:transition>
@@ -24434,13 +24608,13 @@
   <p:clrMapOvr>
     <a:masterClrMapping/>
   </p:clrMapOvr>
-  <mc:AlternateContent xmlns:mc="http://schemas.openxmlformats.org/markup-compatibility/2006">
-    <mc:Choice xmlns:p14="http://schemas.microsoft.com/office/powerpoint/2010/main" Requires="p14">
+  <mc:AlternateContent xmlns:mc="http://schemas.openxmlformats.org/markup-compatibility/2006" xmlns:p14="http://schemas.microsoft.com/office/powerpoint/2010/main">
+    <mc:Choice Requires="p14">
       <p:transition spd="med" p14:dur="700">
         <p:fade/>
       </p:transition>
     </mc:Choice>
-    <mc:Fallback>
+    <mc:Fallback xmlns="">
       <p:transition spd="med">
         <p:fade/>
       </p:transition>
@@ -24655,13 +24829,13 @@
   <p:clrMapOvr>
     <a:masterClrMapping/>
   </p:clrMapOvr>
-  <mc:AlternateContent xmlns:mc="http://schemas.openxmlformats.org/markup-compatibility/2006">
-    <mc:Choice xmlns:p14="http://schemas.microsoft.com/office/powerpoint/2010/main" Requires="p14">
+  <mc:AlternateContent xmlns:mc="http://schemas.openxmlformats.org/markup-compatibility/2006" xmlns:p14="http://schemas.microsoft.com/office/powerpoint/2010/main">
+    <mc:Choice Requires="p14">
       <p:transition spd="med" p14:dur="700">
         <p:fade/>
       </p:transition>
     </mc:Choice>
-    <mc:Fallback>
+    <mc:Fallback xmlns="">
       <p:transition spd="med">
         <p:fade/>
       </p:transition>
@@ -24971,13 +25145,13 @@
   <p:clrMapOvr>
     <a:masterClrMapping/>
   </p:clrMapOvr>
-  <mc:AlternateContent xmlns:mc="http://schemas.openxmlformats.org/markup-compatibility/2006">
-    <mc:Choice xmlns:p14="http://schemas.microsoft.com/office/powerpoint/2010/main" Requires="p14">
+  <mc:AlternateContent xmlns:mc="http://schemas.openxmlformats.org/markup-compatibility/2006" xmlns:p14="http://schemas.microsoft.com/office/powerpoint/2010/main">
+    <mc:Choice Requires="p14">
       <p:transition spd="med" p14:dur="700">
         <p:fade/>
       </p:transition>
     </mc:Choice>
-    <mc:Fallback>
+    <mc:Fallback xmlns="">
       <p:transition spd="med">
         <p:fade/>
       </p:transition>
@@ -25179,13 +25353,13 @@
   <p:clrMapOvr>
     <a:masterClrMapping/>
   </p:clrMapOvr>
-  <mc:AlternateContent xmlns:mc="http://schemas.openxmlformats.org/markup-compatibility/2006">
-    <mc:Choice xmlns:p14="http://schemas.microsoft.com/office/powerpoint/2010/main" Requires="p14">
+  <mc:AlternateContent xmlns:mc="http://schemas.openxmlformats.org/markup-compatibility/2006" xmlns:p14="http://schemas.microsoft.com/office/powerpoint/2010/main">
+    <mc:Choice Requires="p14">
       <p:transition spd="med" p14:dur="700">
         <p:fade/>
       </p:transition>
     </mc:Choice>
-    <mc:Fallback>
+    <mc:Fallback xmlns="">
       <p:transition spd="med">
         <p:fade/>
       </p:transition>

--- a/DI.pptx
+++ b/DI.pptx
@@ -1998,7 +1998,7 @@
           <a:p>
             <a:fld id="{69EE0E52-9FA9-4B42-B8AF-6D441E01BAE7}" type="datetimeFigureOut">
               <a:rPr lang="nl-NL"/>
-              <a:t>16-1-2025</a:t>
+              <a:t>2-2-2026</a:t>
             </a:fld>
             <a:endParaRPr lang="nl-NL"/>
           </a:p>
@@ -2064,7 +2064,7 @@
           <a:p>
             <a:fld id="{4929130D-5678-4701-ACC0-C6D607BA8146}" type="slidenum">
               <a:rPr lang="nl-NL"/>
-              <a:t>‹nr.›</a:t>
+              <a:t>‹#›</a:t>
             </a:fld>
             <a:endParaRPr lang="nl-NL"/>
           </a:p>
@@ -2163,7 +2163,7 @@
           <a:p>
             <a:fld id="{3077C25E-6688-43F9-8010-6219F97B2F0D}" type="datetimeFigureOut">
               <a:rPr lang="nl-NL"/>
-              <a:t>16-1-2025</a:t>
+              <a:t>2-2-2026</a:t>
             </a:fld>
             <a:endParaRPr lang="nl-NL"/>
           </a:p>
@@ -2321,7 +2321,7 @@
           <a:p>
             <a:fld id="{36A6CEBA-87D9-4668-ADDB-ADABD8CF91EC}" type="slidenum">
               <a:rPr lang="nl-NL"/>
-              <a:t>‹nr.›</a:t>
+              <a:t>‹#›</a:t>
             </a:fld>
             <a:endParaRPr lang="nl-NL"/>
           </a:p>
@@ -20392,7 +20392,7 @@
           <p:nvPr>
             <p:extLst>
               <p:ext uri="{D42A27DB-BD31-4B8C-83A1-F6EECF244321}">
-                <p14:modId xmlns:p14="http://schemas.microsoft.com/office/powerpoint/2010/main" val="682438046"/>
+                <p14:modId xmlns:p14="http://schemas.microsoft.com/office/powerpoint/2010/main" val="1295273309"/>
               </p:ext>
             </p:extLst>
           </p:nvPr>
@@ -20408,14 +20408,14 @@
                 <a:tableStyleId>{5C22544A-7EE6-4342-B048-85BDC9FD1C3A}</a:tableStyleId>
               </a:tblPr>
               <a:tblGrid>
-                <a:gridCol w="2355533">
+                <a:gridCol w="2763838">
                   <a:extLst>
                     <a:ext uri="{9D8B030D-6E8A-4147-A177-3AD203B41FA5}">
                       <a16:colId xmlns:a16="http://schemas.microsoft.com/office/drawing/2014/main" val="3387387810"/>
                     </a:ext>
                   </a:extLst>
                 </a:gridCol>
-                <a:gridCol w="3545840">
+                <a:gridCol w="3137535">
                   <a:extLst>
                     <a:ext uri="{9D8B030D-6E8A-4147-A177-3AD203B41FA5}">
                       <a16:colId xmlns:a16="http://schemas.microsoft.com/office/drawing/2014/main" val="2485375517"/>
@@ -22706,7 +22706,7 @@
             </a:r>
             <a:r>
               <a:rPr lang="nl-NL" dirty="0" err="1"/>
-              <a:t>IServiceProviden</a:t>
+              <a:t>IServiceProvider</a:t>
             </a:r>
             <a:endParaRPr lang="nl-NL" dirty="0"/>
           </a:p>
@@ -23195,6 +23195,12 @@
             <a:r>
               <a:rPr lang="nl-NL" dirty="0"/>
               <a:t> voor alles wat met tijd of timers te maken heeft)</a:t>
+            </a:r>
+          </a:p>
+          <a:p>
+            <a:r>
+              <a:rPr lang="nl-NL" dirty="0"/>
+              <a:t>Configureren opties op basis van andere DI objecten</a:t>
             </a:r>
           </a:p>
           <a:p>
